--- a/lec04/4.pptx
+++ b/lec04/4.pptx
@@ -5,7 +5,7 @@
     <p:sldMasterId id="2147483795" r:id="rId1"/>
   </p:sldMasterIdLst>
   <p:notesMasterIdLst>
-    <p:notesMasterId r:id="rId7"/>
+    <p:notesMasterId r:id="rId8"/>
   </p:notesMasterIdLst>
   <p:sldIdLst>
     <p:sldId id="262" r:id="rId2"/>
@@ -13,6 +13,7 @@
     <p:sldId id="259" r:id="rId4"/>
     <p:sldId id="263" r:id="rId5"/>
     <p:sldId id="265" r:id="rId6"/>
+    <p:sldId id="266" r:id="rId7"/>
   </p:sldIdLst>
   <p:sldSz cx="12192000" cy="6858000"/>
   <p:notesSz cx="6858000" cy="9144000"/>
@@ -209,7 +210,7 @@
           <a:p>
             <a:fld id="{04FFE712-A26B-0143-8ED7-35E624D38358}" type="datetimeFigureOut">
               <a:rPr lang="en-US" smtClean="0"/>
-              <a:t>7/1/20</a:t>
+              <a:t>7/2/20</a:t>
             </a:fld>
             <a:endParaRPr lang="en-US"/>
           </a:p>
@@ -571,7 +572,7 @@
           <a:effectLst/>
           <a:extLst>
             <a:ext uri="{91240B29-F687-4f45-9708-019B960494DF}">
-              <a14:hiddenLine xmlns="" xmlns:a14="http://schemas.microsoft.com/office/drawing/2010/main" w="9525">
+              <a14:hiddenLine xmlns:a14="http://schemas.microsoft.com/office/drawing/2010/main" xmlns="" w="9525">
                 <a:solidFill>
                   <a:srgbClr val="000000"/>
                 </a:solidFill>
@@ -763,7 +764,7 @@
           <a:p>
             <a:fld id="{BCCC848F-6185-D24C-8AC6-1AEBBA8AB9E9}" type="datetimeFigureOut">
               <a:rPr lang="en-US" smtClean="0"/>
-              <a:t>7/1/20</a:t>
+              <a:t>7/2/20</a:t>
             </a:fld>
             <a:endParaRPr lang="en-US"/>
           </a:p>
@@ -1081,7 +1082,7 @@
           <a:p>
             <a:fld id="{BCCC848F-6185-D24C-8AC6-1AEBBA8AB9E9}" type="datetimeFigureOut">
               <a:rPr lang="en-US" smtClean="0"/>
-              <a:t>7/1/20</a:t>
+              <a:t>7/2/20</a:t>
             </a:fld>
             <a:endParaRPr lang="en-US"/>
           </a:p>
@@ -1569,7 +1570,7 @@
           <a:p>
             <a:fld id="{BCCC848F-6185-D24C-8AC6-1AEBBA8AB9E9}" type="datetimeFigureOut">
               <a:rPr lang="en-US" smtClean="0"/>
-              <a:t>7/1/20</a:t>
+              <a:t>7/2/20</a:t>
             </a:fld>
             <a:endParaRPr lang="en-US"/>
           </a:p>
@@ -1938,7 +1939,7 @@
           <a:p>
             <a:fld id="{BCCC848F-6185-D24C-8AC6-1AEBBA8AB9E9}" type="datetimeFigureOut">
               <a:rPr lang="en-US" smtClean="0"/>
-              <a:t>7/1/20</a:t>
+              <a:t>7/2/20</a:t>
             </a:fld>
             <a:endParaRPr lang="en-US"/>
           </a:p>
@@ -2093,7 +2094,7 @@
           <a:ln/>
           <a:extLst>
             <a:ext uri="{91240B29-F687-4f45-9708-019B960494DF}">
-              <a14:hiddenLine xmlns="" xmlns:a14="http://schemas.microsoft.com/office/drawing/2010/main" w="9525">
+              <a14:hiddenLine xmlns:a14="http://schemas.microsoft.com/office/drawing/2010/main" xmlns="" w="9525">
                 <a:solidFill>
                   <a:srgbClr val="000000"/>
                 </a:solidFill>
@@ -2211,7 +2212,7 @@
           <a:p>
             <a:fld id="{BCCC848F-6185-D24C-8AC6-1AEBBA8AB9E9}" type="datetimeFigureOut">
               <a:rPr lang="en-US" smtClean="0"/>
-              <a:t>7/1/20</a:t>
+              <a:t>7/2/20</a:t>
             </a:fld>
             <a:endParaRPr lang="en-US"/>
           </a:p>
@@ -2368,7 +2369,7 @@
           <a:ln/>
           <a:extLst>
             <a:ext uri="{91240B29-F687-4f45-9708-019B960494DF}">
-              <a14:hiddenLine xmlns="" xmlns:a14="http://schemas.microsoft.com/office/drawing/2010/main" w="9525">
+              <a14:hiddenLine xmlns:a14="http://schemas.microsoft.com/office/drawing/2010/main" xmlns="" w="9525">
                 <a:solidFill>
                   <a:srgbClr val="000000"/>
                 </a:solidFill>
@@ -2496,7 +2497,7 @@
           <a:p>
             <a:fld id="{BCCC848F-6185-D24C-8AC6-1AEBBA8AB9E9}" type="datetimeFigureOut">
               <a:rPr lang="en-US" smtClean="0"/>
-              <a:t>7/1/20</a:t>
+              <a:t>7/2/20</a:t>
             </a:fld>
             <a:endParaRPr lang="en-US"/>
           </a:p>
@@ -2651,7 +2652,7 @@
           <a:ln/>
           <a:extLst>
             <a:ext uri="{91240B29-F687-4f45-9708-019B960494DF}">
-              <a14:hiddenLine xmlns="" xmlns:a14="http://schemas.microsoft.com/office/drawing/2010/main" w="9525">
+              <a14:hiddenLine xmlns:a14="http://schemas.microsoft.com/office/drawing/2010/main" xmlns="" w="9525">
                 <a:solidFill>
                   <a:srgbClr val="000000"/>
                 </a:solidFill>
@@ -2779,7 +2780,7 @@
           <a:p>
             <a:fld id="{BCCC848F-6185-D24C-8AC6-1AEBBA8AB9E9}" type="datetimeFigureOut">
               <a:rPr lang="en-US" smtClean="0"/>
-              <a:t>7/1/20</a:t>
+              <a:t>7/2/20</a:t>
             </a:fld>
             <a:endParaRPr lang="en-US"/>
           </a:p>
@@ -3122,7 +3123,7 @@
           <a:p>
             <a:fld id="{BCCC848F-6185-D24C-8AC6-1AEBBA8AB9E9}" type="datetimeFigureOut">
               <a:rPr lang="en-US" smtClean="0"/>
-              <a:t>7/1/20</a:t>
+              <a:t>7/2/20</a:t>
             </a:fld>
             <a:endParaRPr lang="en-US"/>
           </a:p>
@@ -3277,7 +3278,7 @@
           <a:ln/>
           <a:extLst>
             <a:ext uri="{91240B29-F687-4f45-9708-019B960494DF}">
-              <a14:hiddenLine xmlns="" xmlns:a14="http://schemas.microsoft.com/office/drawing/2010/main" w="9525">
+              <a14:hiddenLine xmlns:a14="http://schemas.microsoft.com/office/drawing/2010/main" xmlns="" w="9525">
                 <a:solidFill>
                   <a:srgbClr val="000000"/>
                 </a:solidFill>
@@ -3461,7 +3462,7 @@
           <a:p>
             <a:fld id="{BCCC848F-6185-D24C-8AC6-1AEBBA8AB9E9}" type="datetimeFigureOut">
               <a:rPr lang="en-US" smtClean="0"/>
-              <a:t>7/1/20</a:t>
+              <a:t>7/2/20</a:t>
             </a:fld>
             <a:endParaRPr lang="en-US"/>
           </a:p>
@@ -3616,7 +3617,7 @@
           <a:ln/>
           <a:extLst>
             <a:ext uri="{91240B29-F687-4f45-9708-019B960494DF}">
-              <a14:hiddenLine xmlns="" xmlns:a14="http://schemas.microsoft.com/office/drawing/2010/main" w="9525">
+              <a14:hiddenLine xmlns:a14="http://schemas.microsoft.com/office/drawing/2010/main" xmlns="" w="9525">
                 <a:solidFill>
                   <a:srgbClr val="000000"/>
                 </a:solidFill>
@@ -3938,7 +3939,7 @@
           <a:p>
             <a:fld id="{BCCC848F-6185-D24C-8AC6-1AEBBA8AB9E9}" type="datetimeFigureOut">
               <a:rPr lang="en-US" smtClean="0"/>
-              <a:t>7/1/20</a:t>
+              <a:t>7/2/20</a:t>
             </a:fld>
             <a:endParaRPr lang="en-US"/>
           </a:p>
@@ -4093,7 +4094,7 @@
           <a:ln/>
           <a:extLst>
             <a:ext uri="{91240B29-F687-4f45-9708-019B960494DF}">
-              <a14:hiddenLine xmlns="" xmlns:a14="http://schemas.microsoft.com/office/drawing/2010/main" w="9525">
+              <a14:hiddenLine xmlns:a14="http://schemas.microsoft.com/office/drawing/2010/main" xmlns="" w="9525">
                 <a:solidFill>
                   <a:srgbClr val="000000"/>
                 </a:solidFill>
@@ -4159,7 +4160,7 @@
           <a:p>
             <a:fld id="{BCCC848F-6185-D24C-8AC6-1AEBBA8AB9E9}" type="datetimeFigureOut">
               <a:rPr lang="en-US" smtClean="0"/>
-              <a:t>7/1/20</a:t>
+              <a:t>7/2/20</a:t>
             </a:fld>
             <a:endParaRPr lang="en-US"/>
           </a:p>
@@ -4254,7 +4255,7 @@
           <a:p>
             <a:fld id="{BCCC848F-6185-D24C-8AC6-1AEBBA8AB9E9}" type="datetimeFigureOut">
               <a:rPr lang="en-US" smtClean="0"/>
-              <a:t>7/1/20</a:t>
+              <a:t>7/2/20</a:t>
             </a:fld>
             <a:endParaRPr lang="en-US"/>
           </a:p>
@@ -4522,7 +4523,7 @@
           <a:ln/>
           <a:extLst>
             <a:ext uri="{91240B29-F687-4f45-9708-019B960494DF}">
-              <a14:hiddenLine xmlns="" xmlns:a14="http://schemas.microsoft.com/office/drawing/2010/main" w="9525">
+              <a14:hiddenLine xmlns:a14="http://schemas.microsoft.com/office/drawing/2010/main" xmlns="" w="9525">
                 <a:solidFill>
                   <a:srgbClr val="000000"/>
                 </a:solidFill>
@@ -4721,7 +4722,7 @@
           <a:p>
             <a:fld id="{BCCC848F-6185-D24C-8AC6-1AEBBA8AB9E9}" type="datetimeFigureOut">
               <a:rPr lang="en-US" smtClean="0"/>
-              <a:t>7/1/20</a:t>
+              <a:t>7/2/20</a:t>
             </a:fld>
             <a:endParaRPr lang="en-US"/>
           </a:p>
@@ -5034,7 +5035,7 @@
           <a:p>
             <a:fld id="{BCCC848F-6185-D24C-8AC6-1AEBBA8AB9E9}" type="datetimeFigureOut">
               <a:rPr lang="en-US" smtClean="0"/>
-              <a:t>7/1/20</a:t>
+              <a:t>7/2/20</a:t>
             </a:fld>
             <a:endParaRPr lang="en-US"/>
           </a:p>
@@ -5304,7 +5305,7 @@
           <a:p>
             <a:fld id="{BCCC848F-6185-D24C-8AC6-1AEBBA8AB9E9}" type="datetimeFigureOut">
               <a:rPr lang="en-US" smtClean="0"/>
-              <a:t>7/1/20</a:t>
+              <a:t>7/2/20</a:t>
             </a:fld>
             <a:endParaRPr lang="en-US"/>
           </a:p>
@@ -5763,7 +5764,7 @@
           <p:cNvPr id="2" name="Title 1">
             <a:extLst>
               <a:ext uri="{FF2B5EF4-FFF2-40B4-BE49-F238E27FC236}">
-                <a16:creationId xmlns:a16="http://schemas.microsoft.com/office/drawing/2014/main" xmlns="" id="{253967F2-5A0B-C248-8CB9-CD7AEEE78A10}"/>
+                <a16:creationId xmlns="" xmlns:a16="http://schemas.microsoft.com/office/drawing/2014/main" id="{253967F2-5A0B-C248-8CB9-CD7AEEE78A10}"/>
               </a:ext>
             </a:extLst>
           </p:cNvPr>
@@ -5900,11 +5901,7 @@
             </a:pPr>
             <a:r>
               <a:rPr lang="en-US" sz="3200" dirty="0" err="1"/>
-              <a:t>i</a:t>
-            </a:r>
-            <a:r>
-              <a:rPr lang="en-US" sz="3200" dirty="0" err="1"/>
-              <a:t>nt</a:t>
+              <a:t>int</a:t>
             </a:r>
             <a:r>
               <a:rPr lang="en-US" sz="3200" dirty="0"/>
@@ -5961,7 +5958,7 @@
         <p:spPr>
           <a:xfrm>
             <a:off x="270091" y="4333499"/>
-            <a:ext cx="5290231" cy="461665"/>
+            <a:ext cx="5392823" cy="461665"/>
           </a:xfrm>
           <a:prstGeom prst="rect">
             <a:avLst/>
@@ -5982,8 +5979,27 @@
                 <a:ea typeface="Times New Roman" charset="0"/>
                 <a:cs typeface="Times New Roman" charset="0"/>
               </a:rPr>
-              <a:t>Cannot add a string to an integer number </a:t>
-            </a:r>
+              <a:t>Cannot add a string to an integer </a:t>
+            </a:r>
+            <a:r>
+              <a:rPr lang="en-US" sz="2400" dirty="0" smtClean="0">
+                <a:solidFill>
+                  <a:srgbClr val="FF0000"/>
+                </a:solidFill>
+                <a:latin typeface="Times New Roman" charset="0"/>
+                <a:ea typeface="Times New Roman" charset="0"/>
+                <a:cs typeface="Times New Roman" charset="0"/>
+              </a:rPr>
+              <a:t>number! </a:t>
+            </a:r>
+            <a:endParaRPr lang="en-US" sz="2400" dirty="0">
+              <a:solidFill>
+                <a:srgbClr val="FF0000"/>
+              </a:solidFill>
+              <a:latin typeface="Times New Roman" charset="0"/>
+              <a:ea typeface="Times New Roman" charset="0"/>
+              <a:cs typeface="Times New Roman" charset="0"/>
+            </a:endParaRPr>
           </a:p>
         </p:txBody>
       </p:sp>
@@ -6572,10 +6588,10 @@
           <p:cNvPr id="8" name="Rectangle 7">
             <a:extLst>
               <a:ext uri="{FF2B5EF4-FFF2-40B4-BE49-F238E27FC236}">
-                <a16:creationId xmlns="" xmlns:a16="http://schemas.microsoft.com/office/drawing/2014/main" id="{597EA66B-2AAB-42B0-9F9D-38920D8D82D7}"/>
+                <a16:creationId xmlns:a16="http://schemas.microsoft.com/office/drawing/2014/main" xmlns="" id="{597EA66B-2AAB-42B0-9F9D-38920D8D82D7}"/>
               </a:ext>
               <a:ext uri="{C183D7F6-B498-43B3-948B-1728B52AA6E4}">
-                <adec:decorative xmlns="" xmlns:adec="http://schemas.microsoft.com/office/drawing/2017/decorative" val="1"/>
+                <adec:decorative xmlns:adec="http://schemas.microsoft.com/office/drawing/2017/decorative" xmlns="" val="1"/>
               </a:ext>
             </a:extLst>
           </p:cNvPr>
@@ -6628,7 +6644,7 @@
           <p:cNvPr id="2" name="Title 1">
             <a:extLst>
               <a:ext uri="{FF2B5EF4-FFF2-40B4-BE49-F238E27FC236}">
-                <a16:creationId xmlns="" xmlns:a16="http://schemas.microsoft.com/office/drawing/2014/main" id="{FD7674F6-73A9-0648-A682-1E6E87D11949}"/>
+                <a16:creationId xmlns:a16="http://schemas.microsoft.com/office/drawing/2014/main" xmlns="" id="{FD7674F6-73A9-0648-A682-1E6E87D11949}"/>
               </a:ext>
             </a:extLst>
           </p:cNvPr>
@@ -6717,10 +6733,10 @@
           <p:cNvPr id="10" name="Freeform: Shape 9">
             <a:extLst>
               <a:ext uri="{FF2B5EF4-FFF2-40B4-BE49-F238E27FC236}">
-                <a16:creationId xmlns="" xmlns:a16="http://schemas.microsoft.com/office/drawing/2014/main" id="{D360EBE3-31BB-422F-AA87-FA3873DAE484}"/>
+                <a16:creationId xmlns:a16="http://schemas.microsoft.com/office/drawing/2014/main" xmlns="" id="{D360EBE3-31BB-422F-AA87-FA3873DAE484}"/>
               </a:ext>
               <a:ext uri="{C183D7F6-B498-43B3-948B-1728B52AA6E4}">
-                <adec:decorative xmlns="" xmlns:adec="http://schemas.microsoft.com/office/drawing/2017/decorative" val="1"/>
+                <adec:decorative xmlns:adec="http://schemas.microsoft.com/office/drawing/2017/decorative" xmlns="" val="1"/>
               </a:ext>
             </a:extLst>
           </p:cNvPr>
@@ -6908,7 +6924,7 @@
           <a:effectLst/>
           <a:extLst>
             <a:ext uri="{91240B29-F687-4f45-9708-019B960494DF}">
-              <a14:hiddenLine xmlns:a14="http://schemas.microsoft.com/office/drawing/2010/main" xmlns:p14="http://schemas.microsoft.com/office/powerpoint/2010/main" xmlns:a16="http://schemas.microsoft.com/office/drawing/2014/main" xmlns="" w="9525">
+              <a14:hiddenLine xmlns="" xmlns:a16="http://schemas.microsoft.com/office/drawing/2014/main" xmlns:p14="http://schemas.microsoft.com/office/powerpoint/2010/main" xmlns:a14="http://schemas.microsoft.com/office/drawing/2010/main" w="9525">
                 <a:solidFill>
                   <a:srgbClr val="000000"/>
                 </a:solidFill>
@@ -6993,7 +7009,7 @@
           <p:cNvPr id="2" name="Title 1">
             <a:extLst>
               <a:ext uri="{FF2B5EF4-FFF2-40B4-BE49-F238E27FC236}">
-                <a16:creationId xmlns="" xmlns:a16="http://schemas.microsoft.com/office/drawing/2014/main" id="{253967F2-5A0B-C248-8CB9-CD7AEEE78A10}"/>
+                <a16:creationId xmlns:a16="http://schemas.microsoft.com/office/drawing/2014/main" xmlns="" id="{253967F2-5A0B-C248-8CB9-CD7AEEE78A10}"/>
               </a:ext>
             </a:extLst>
           </p:cNvPr>
@@ -7959,7 +7975,7 @@
           <p:cNvPr id="2" name="Title 1">
             <a:extLst>
               <a:ext uri="{FF2B5EF4-FFF2-40B4-BE49-F238E27FC236}">
-                <a16:creationId xmlns="" xmlns:a16="http://schemas.microsoft.com/office/drawing/2014/main" id="{253967F2-5A0B-C248-8CB9-CD7AEEE78A10}"/>
+                <a16:creationId xmlns:a16="http://schemas.microsoft.com/office/drawing/2014/main" xmlns="" id="{253967F2-5A0B-C248-8CB9-CD7AEEE78A10}"/>
               </a:ext>
             </a:extLst>
           </p:cNvPr>
@@ -8925,7 +8941,1119 @@
           <p:cNvPr id="2" name="Title 1">
             <a:extLst>
               <a:ext uri="{FF2B5EF4-FFF2-40B4-BE49-F238E27FC236}">
-                <a16:creationId xmlns="" xmlns:a16="http://schemas.microsoft.com/office/drawing/2014/main" id="{253967F2-5A0B-C248-8CB9-CD7AEEE78A10}"/>
+                <a16:creationId xmlns:a16="http://schemas.microsoft.com/office/drawing/2014/main" xmlns="" id="{253967F2-5A0B-C248-8CB9-CD7AEEE78A10}"/>
+              </a:ext>
+            </a:extLst>
+          </p:cNvPr>
+          <p:cNvSpPr>
+            <a:spLocks noGrp="1"/>
+          </p:cNvSpPr>
+          <p:nvPr>
+            <p:ph type="title"/>
+          </p:nvPr>
+        </p:nvSpPr>
+        <p:spPr>
+          <a:xfrm>
+            <a:off x="335560" y="177435"/>
+            <a:ext cx="5359293" cy="970450"/>
+          </a:xfrm>
+        </p:spPr>
+        <p:txBody>
+          <a:bodyPr/>
+          <a:lstStyle/>
+          <a:p>
+            <a:r>
+              <a:rPr lang="en-US" dirty="0" smtClean="0"/>
+              <a:t>double </a:t>
+            </a:r>
+            <a:r>
+              <a:rPr lang="en-US" dirty="0"/>
+              <a:t>loops</a:t>
+            </a:r>
+          </a:p>
+        </p:txBody>
+      </p:sp>
+      <p:grpSp>
+        <p:nvGrpSpPr>
+          <p:cNvPr id="9" name="Group 8"/>
+          <p:cNvGrpSpPr/>
+          <p:nvPr/>
+        </p:nvGrpSpPr>
+        <p:grpSpPr>
+          <a:xfrm>
+            <a:off x="6549082" y="4993238"/>
+            <a:ext cx="5313405" cy="1185400"/>
+            <a:chOff x="5152768" y="2024710"/>
+            <a:chExt cx="5313405" cy="1185400"/>
+          </a:xfrm>
+        </p:grpSpPr>
+        <p:pic>
+          <p:nvPicPr>
+            <p:cNvPr id="7" name="Picture 6"/>
+            <p:cNvPicPr>
+              <a:picLocks noChangeAspect="1"/>
+            </p:cNvPicPr>
+            <p:nvPr/>
+          </p:nvPicPr>
+          <p:blipFill rotWithShape="1">
+            <a:blip r:embed="rId2"/>
+            <a:srcRect l="67840" t="2672" r="4464" b="63359"/>
+            <a:stretch/>
+          </p:blipFill>
+          <p:spPr>
+            <a:xfrm>
+              <a:off x="7061886" y="2024710"/>
+              <a:ext cx="1594021" cy="1099751"/>
+            </a:xfrm>
+            <a:prstGeom prst="rect">
+              <a:avLst/>
+            </a:prstGeom>
+          </p:spPr>
+        </p:pic>
+        <p:pic>
+          <p:nvPicPr>
+            <p:cNvPr id="16" name="Picture 15"/>
+            <p:cNvPicPr>
+              <a:picLocks noChangeAspect="1"/>
+            </p:cNvPicPr>
+            <p:nvPr/>
+          </p:nvPicPr>
+          <p:blipFill rotWithShape="1">
+            <a:blip r:embed="rId2"/>
+            <a:srcRect l="2362" t="2926" r="71660" b="61960"/>
+            <a:stretch/>
+          </p:blipFill>
+          <p:spPr>
+            <a:xfrm>
+              <a:off x="5152768" y="2073288"/>
+              <a:ext cx="1495167" cy="1136822"/>
+            </a:xfrm>
+            <a:prstGeom prst="rect">
+              <a:avLst/>
+            </a:prstGeom>
+          </p:spPr>
+        </p:pic>
+        <p:pic>
+          <p:nvPicPr>
+            <p:cNvPr id="17" name="Picture 16"/>
+            <p:cNvPicPr>
+              <a:picLocks noChangeAspect="1"/>
+            </p:cNvPicPr>
+            <p:nvPr/>
+          </p:nvPicPr>
+          <p:blipFill rotWithShape="1">
+            <a:blip r:embed="rId2"/>
+            <a:srcRect l="69990" t="33916" r="5749" b="35116"/>
+            <a:stretch/>
+          </p:blipFill>
+          <p:spPr>
+            <a:xfrm>
+              <a:off x="9069859" y="2073288"/>
+              <a:ext cx="1396314" cy="1002596"/>
+            </a:xfrm>
+            <a:prstGeom prst="rect">
+              <a:avLst/>
+            </a:prstGeom>
+          </p:spPr>
+        </p:pic>
+      </p:grpSp>
+      <p:sp>
+        <p:nvSpPr>
+          <p:cNvPr id="18" name="Rectangle 17"/>
+          <p:cNvSpPr/>
+          <p:nvPr/>
+        </p:nvSpPr>
+        <p:spPr>
+          <a:xfrm>
+            <a:off x="6549082" y="4993238"/>
+            <a:ext cx="5226907" cy="1185400"/>
+          </a:xfrm>
+          <a:prstGeom prst="rect">
+            <a:avLst/>
+          </a:prstGeom>
+          <a:solidFill>
+            <a:schemeClr val="lt1">
+              <a:alpha val="0"/>
+            </a:schemeClr>
+          </a:solidFill>
+        </p:spPr>
+        <p:style>
+          <a:lnRef idx="2">
+            <a:schemeClr val="accent2"/>
+          </a:lnRef>
+          <a:fillRef idx="1">
+            <a:schemeClr val="lt1"/>
+          </a:fillRef>
+          <a:effectRef idx="0">
+            <a:schemeClr val="accent2"/>
+          </a:effectRef>
+          <a:fontRef idx="minor">
+            <a:schemeClr val="dk1"/>
+          </a:fontRef>
+        </p:style>
+        <p:txBody>
+          <a:bodyPr rtlCol="0" anchor="ctr"/>
+          <a:lstStyle/>
+          <a:p>
+            <a:pPr algn="ctr"/>
+            <a:endParaRPr lang="en-US"/>
+          </a:p>
+        </p:txBody>
+      </p:sp>
+      <p:sp>
+        <p:nvSpPr>
+          <p:cNvPr id="19" name="Rectangle 18"/>
+          <p:cNvSpPr/>
+          <p:nvPr/>
+        </p:nvSpPr>
+        <p:spPr>
+          <a:xfrm>
+            <a:off x="206968" y="4074268"/>
+            <a:ext cx="1045479" cy="369332"/>
+          </a:xfrm>
+          <a:prstGeom prst="rect">
+            <a:avLst/>
+          </a:prstGeom>
+        </p:spPr>
+        <p:txBody>
+          <a:bodyPr wrap="none">
+            <a:spAutoFit/>
+          </a:bodyPr>
+          <a:lstStyle/>
+          <a:p>
+            <a:r>
+              <a:rPr lang="en-US" dirty="0" smtClean="0"/>
+              <a:t>Output</a:t>
+            </a:r>
+            <a:r>
+              <a:rPr lang="en-US" dirty="0" smtClean="0"/>
+              <a:t>:</a:t>
+            </a:r>
+            <a:endParaRPr lang="en-US" dirty="0"/>
+          </a:p>
+        </p:txBody>
+      </p:sp>
+      <p:cxnSp>
+        <p:nvCxnSpPr>
+          <p:cNvPr id="23" name="Straight Connector 22"/>
+          <p:cNvCxnSpPr/>
+          <p:nvPr/>
+        </p:nvCxnSpPr>
+        <p:spPr>
+          <a:xfrm>
+            <a:off x="0" y="4434969"/>
+            <a:ext cx="1915297" cy="8631"/>
+          </a:xfrm>
+          <a:prstGeom prst="line">
+            <a:avLst/>
+          </a:prstGeom>
+        </p:spPr>
+        <p:style>
+          <a:lnRef idx="1">
+            <a:schemeClr val="accent1"/>
+          </a:lnRef>
+          <a:fillRef idx="0">
+            <a:schemeClr val="accent1"/>
+          </a:fillRef>
+          <a:effectRef idx="0">
+            <a:schemeClr val="accent1"/>
+          </a:effectRef>
+          <a:fontRef idx="minor">
+            <a:schemeClr val="tx1"/>
+          </a:fontRef>
+        </p:style>
+      </p:cxnSp>
+      <p:grpSp>
+        <p:nvGrpSpPr>
+          <p:cNvPr id="29" name="Group 28"/>
+          <p:cNvGrpSpPr/>
+          <p:nvPr/>
+        </p:nvGrpSpPr>
+        <p:grpSpPr>
+          <a:xfrm>
+            <a:off x="6549082" y="3056714"/>
+            <a:ext cx="3305432" cy="1017554"/>
+            <a:chOff x="7284310" y="4611470"/>
+            <a:chExt cx="3305432" cy="1017554"/>
+          </a:xfrm>
+        </p:grpSpPr>
+        <p:sp>
+          <p:nvSpPr>
+            <p:cNvPr id="24" name="Rectangle 23"/>
+            <p:cNvSpPr/>
+            <p:nvPr/>
+          </p:nvSpPr>
+          <p:spPr>
+            <a:xfrm>
+              <a:off x="7284310" y="4611470"/>
+              <a:ext cx="3305432" cy="1017554"/>
+            </a:xfrm>
+            <a:prstGeom prst="rect">
+              <a:avLst/>
+            </a:prstGeom>
+            <a:solidFill>
+              <a:schemeClr val="lt1">
+                <a:alpha val="0"/>
+              </a:schemeClr>
+            </a:solidFill>
+          </p:spPr>
+          <p:style>
+            <a:lnRef idx="2">
+              <a:schemeClr val="accent2"/>
+            </a:lnRef>
+            <a:fillRef idx="1">
+              <a:schemeClr val="lt1"/>
+            </a:fillRef>
+            <a:effectRef idx="0">
+              <a:schemeClr val="accent2"/>
+            </a:effectRef>
+            <a:fontRef idx="minor">
+              <a:schemeClr val="dk1"/>
+            </a:fontRef>
+          </p:style>
+          <p:txBody>
+            <a:bodyPr rtlCol="0" anchor="ctr"/>
+            <a:lstStyle/>
+            <a:p>
+              <a:pPr algn="ctr"/>
+              <a:endParaRPr lang="en-US"/>
+            </a:p>
+          </p:txBody>
+        </p:sp>
+        <p:sp>
+          <p:nvSpPr>
+            <p:cNvPr id="25" name="Rectangle 24"/>
+            <p:cNvSpPr/>
+            <p:nvPr/>
+          </p:nvSpPr>
+          <p:spPr>
+            <a:xfrm>
+              <a:off x="7673546" y="4893004"/>
+              <a:ext cx="926757" cy="469831"/>
+            </a:xfrm>
+            <a:prstGeom prst="rect">
+              <a:avLst/>
+            </a:prstGeom>
+          </p:spPr>
+          <p:style>
+            <a:lnRef idx="2">
+              <a:schemeClr val="accent1">
+                <a:shade val="50000"/>
+              </a:schemeClr>
+            </a:lnRef>
+            <a:fillRef idx="1">
+              <a:schemeClr val="accent1"/>
+            </a:fillRef>
+            <a:effectRef idx="0">
+              <a:schemeClr val="accent1"/>
+            </a:effectRef>
+            <a:fontRef idx="minor">
+              <a:schemeClr val="lt1"/>
+            </a:fontRef>
+          </p:style>
+          <p:txBody>
+            <a:bodyPr rtlCol="0" anchor="ctr"/>
+            <a:lstStyle/>
+            <a:p>
+              <a:pPr algn="ctr"/>
+              <a:r>
+                <a:rPr lang="en-US" dirty="0" smtClean="0"/>
+                <a:t>Tom</a:t>
+              </a:r>
+              <a:endParaRPr lang="en-US" dirty="0"/>
+            </a:p>
+          </p:txBody>
+        </p:sp>
+        <p:sp>
+          <p:nvSpPr>
+            <p:cNvPr id="26" name="Rectangle 25"/>
+            <p:cNvSpPr/>
+            <p:nvPr/>
+          </p:nvSpPr>
+          <p:spPr>
+            <a:xfrm>
+              <a:off x="9038966" y="4914529"/>
+              <a:ext cx="997808" cy="469831"/>
+            </a:xfrm>
+            <a:prstGeom prst="rect">
+              <a:avLst/>
+            </a:prstGeom>
+          </p:spPr>
+          <p:style>
+            <a:lnRef idx="2">
+              <a:schemeClr val="accent1">
+                <a:shade val="50000"/>
+              </a:schemeClr>
+            </a:lnRef>
+            <a:fillRef idx="1">
+              <a:schemeClr val="accent1"/>
+            </a:fillRef>
+            <a:effectRef idx="0">
+              <a:schemeClr val="accent1"/>
+            </a:effectRef>
+            <a:fontRef idx="minor">
+              <a:schemeClr val="lt1"/>
+            </a:fontRef>
+          </p:style>
+          <p:txBody>
+            <a:bodyPr rtlCol="0" anchor="ctr"/>
+            <a:lstStyle/>
+            <a:p>
+              <a:pPr algn="ctr"/>
+              <a:r>
+                <a:rPr lang="en-US" dirty="0" smtClean="0"/>
+                <a:t>Jack</a:t>
+              </a:r>
+              <a:endParaRPr lang="en-US" dirty="0"/>
+            </a:p>
+          </p:txBody>
+        </p:sp>
+      </p:grpSp>
+      <p:sp>
+        <p:nvSpPr>
+          <p:cNvPr id="3" name="Rectangle 2"/>
+          <p:cNvSpPr/>
+          <p:nvPr/>
+        </p:nvSpPr>
+        <p:spPr>
+          <a:xfrm>
+            <a:off x="54080" y="2113567"/>
+            <a:ext cx="6495002" cy="923330"/>
+          </a:xfrm>
+          <a:prstGeom prst="rect">
+            <a:avLst/>
+          </a:prstGeom>
+        </p:spPr>
+        <p:txBody>
+          <a:bodyPr wrap="square">
+            <a:spAutoFit/>
+          </a:bodyPr>
+          <a:lstStyle/>
+          <a:p>
+            <a:r>
+              <a:rPr lang="en-US" dirty="0">
+                <a:solidFill>
+                  <a:srgbClr val="0000FF"/>
+                </a:solidFill>
+                <a:latin typeface="Menlo" charset="0"/>
+              </a:rPr>
+              <a:t>for</a:t>
+            </a:r>
+            <a:r>
+              <a:rPr lang="en-US" dirty="0">
+                <a:solidFill>
+                  <a:srgbClr val="000000"/>
+                </a:solidFill>
+                <a:latin typeface="Menlo" charset="0"/>
+              </a:rPr>
+              <a:t> name </a:t>
+            </a:r>
+            <a:r>
+              <a:rPr lang="en-US" dirty="0">
+                <a:solidFill>
+                  <a:srgbClr val="0000FF"/>
+                </a:solidFill>
+                <a:latin typeface="Menlo" charset="0"/>
+              </a:rPr>
+              <a:t>in</a:t>
+            </a:r>
+            <a:r>
+              <a:rPr lang="en-US" dirty="0">
+                <a:solidFill>
+                  <a:srgbClr val="000000"/>
+                </a:solidFill>
+                <a:latin typeface="Menlo" charset="0"/>
+              </a:rPr>
+              <a:t> [</a:t>
+            </a:r>
+            <a:r>
+              <a:rPr lang="en-US" dirty="0">
+                <a:solidFill>
+                  <a:srgbClr val="FF69B4"/>
+                </a:solidFill>
+                <a:latin typeface="Menlo" charset="0"/>
+              </a:rPr>
+              <a:t>"</a:t>
+            </a:r>
+            <a:r>
+              <a:rPr lang="en-US" dirty="0">
+                <a:solidFill>
+                  <a:srgbClr val="A31515"/>
+                </a:solidFill>
+                <a:latin typeface="Menlo" charset="0"/>
+              </a:rPr>
+              <a:t>Tom</a:t>
+            </a:r>
+            <a:r>
+              <a:rPr lang="en-US" dirty="0">
+                <a:solidFill>
+                  <a:srgbClr val="FF69B4"/>
+                </a:solidFill>
+                <a:latin typeface="Menlo" charset="0"/>
+              </a:rPr>
+              <a:t>"</a:t>
+            </a:r>
+            <a:r>
+              <a:rPr lang="en-US" dirty="0">
+                <a:solidFill>
+                  <a:srgbClr val="000000"/>
+                </a:solidFill>
+                <a:latin typeface="Menlo" charset="0"/>
+              </a:rPr>
+              <a:t>, </a:t>
+            </a:r>
+            <a:r>
+              <a:rPr lang="en-US" dirty="0">
+                <a:solidFill>
+                  <a:srgbClr val="FF69B4"/>
+                </a:solidFill>
+                <a:latin typeface="Menlo" charset="0"/>
+              </a:rPr>
+              <a:t>"</a:t>
+            </a:r>
+            <a:r>
+              <a:rPr lang="en-US" dirty="0">
+                <a:solidFill>
+                  <a:srgbClr val="A31515"/>
+                </a:solidFill>
+                <a:latin typeface="Menlo" charset="0"/>
+              </a:rPr>
+              <a:t>Jack</a:t>
+            </a:r>
+            <a:r>
+              <a:rPr lang="en-US" dirty="0">
+                <a:solidFill>
+                  <a:srgbClr val="FF69B4"/>
+                </a:solidFill>
+                <a:latin typeface="Menlo" charset="0"/>
+              </a:rPr>
+              <a:t>"</a:t>
+            </a:r>
+            <a:r>
+              <a:rPr lang="en-US" dirty="0">
+                <a:solidFill>
+                  <a:srgbClr val="000000"/>
+                </a:solidFill>
+                <a:latin typeface="Menlo" charset="0"/>
+              </a:rPr>
+              <a:t>]:</a:t>
+            </a:r>
+          </a:p>
+          <a:p>
+            <a:pPr lvl="1"/>
+            <a:r>
+              <a:rPr lang="en-US" dirty="0">
+                <a:solidFill>
+                  <a:srgbClr val="0000FF"/>
+                </a:solidFill>
+                <a:latin typeface="Menlo" charset="0"/>
+              </a:rPr>
+              <a:t>for</a:t>
+            </a:r>
+            <a:r>
+              <a:rPr lang="en-US" dirty="0">
+                <a:solidFill>
+                  <a:srgbClr val="000000"/>
+                </a:solidFill>
+                <a:latin typeface="Menlo" charset="0"/>
+              </a:rPr>
+              <a:t> fruit </a:t>
+            </a:r>
+            <a:r>
+              <a:rPr lang="en-US" dirty="0">
+                <a:solidFill>
+                  <a:srgbClr val="0000FF"/>
+                </a:solidFill>
+                <a:latin typeface="Menlo" charset="0"/>
+              </a:rPr>
+              <a:t>in</a:t>
+            </a:r>
+            <a:r>
+              <a:rPr lang="en-US" dirty="0">
+                <a:solidFill>
+                  <a:srgbClr val="000000"/>
+                </a:solidFill>
+                <a:latin typeface="Menlo" charset="0"/>
+              </a:rPr>
+              <a:t> [</a:t>
+            </a:r>
+            <a:r>
+              <a:rPr lang="en-US" dirty="0">
+                <a:solidFill>
+                  <a:srgbClr val="FF69B4"/>
+                </a:solidFill>
+                <a:latin typeface="Menlo" charset="0"/>
+              </a:rPr>
+              <a:t>"</a:t>
+            </a:r>
+            <a:r>
+              <a:rPr lang="en-US" dirty="0">
+                <a:solidFill>
+                  <a:srgbClr val="A31515"/>
+                </a:solidFill>
+                <a:latin typeface="Menlo" charset="0"/>
+              </a:rPr>
+              <a:t>orange</a:t>
+            </a:r>
+            <a:r>
+              <a:rPr lang="en-US" dirty="0">
+                <a:solidFill>
+                  <a:srgbClr val="FF69B4"/>
+                </a:solidFill>
+                <a:latin typeface="Menlo" charset="0"/>
+              </a:rPr>
+              <a:t>"</a:t>
+            </a:r>
+            <a:r>
+              <a:rPr lang="en-US" dirty="0">
+                <a:solidFill>
+                  <a:srgbClr val="000000"/>
+                </a:solidFill>
+                <a:latin typeface="Menlo" charset="0"/>
+              </a:rPr>
+              <a:t>, </a:t>
+            </a:r>
+            <a:r>
+              <a:rPr lang="en-US" dirty="0">
+                <a:solidFill>
+                  <a:srgbClr val="FF69B4"/>
+                </a:solidFill>
+                <a:latin typeface="Menlo" charset="0"/>
+              </a:rPr>
+              <a:t>"</a:t>
+            </a:r>
+            <a:r>
+              <a:rPr lang="en-US" dirty="0">
+                <a:solidFill>
+                  <a:srgbClr val="A31515"/>
+                </a:solidFill>
+                <a:latin typeface="Menlo" charset="0"/>
+              </a:rPr>
+              <a:t>pear</a:t>
+            </a:r>
+            <a:r>
+              <a:rPr lang="en-US" dirty="0">
+                <a:solidFill>
+                  <a:srgbClr val="FF69B4"/>
+                </a:solidFill>
+                <a:latin typeface="Menlo" charset="0"/>
+              </a:rPr>
+              <a:t>"</a:t>
+            </a:r>
+            <a:r>
+              <a:rPr lang="en-US" dirty="0">
+                <a:solidFill>
+                  <a:srgbClr val="000000"/>
+                </a:solidFill>
+                <a:latin typeface="Menlo" charset="0"/>
+              </a:rPr>
+              <a:t>, </a:t>
+            </a:r>
+            <a:r>
+              <a:rPr lang="en-US" dirty="0">
+                <a:solidFill>
+                  <a:srgbClr val="FF69B4"/>
+                </a:solidFill>
+                <a:latin typeface="Menlo" charset="0"/>
+              </a:rPr>
+              <a:t>"</a:t>
+            </a:r>
+            <a:r>
+              <a:rPr lang="en-US" dirty="0">
+                <a:solidFill>
+                  <a:srgbClr val="A31515"/>
+                </a:solidFill>
+                <a:latin typeface="Menlo" charset="0"/>
+              </a:rPr>
+              <a:t>apple</a:t>
+            </a:r>
+            <a:r>
+              <a:rPr lang="en-US" dirty="0">
+                <a:solidFill>
+                  <a:srgbClr val="FF69B4"/>
+                </a:solidFill>
+                <a:latin typeface="Menlo" charset="0"/>
+              </a:rPr>
+              <a:t>"</a:t>
+            </a:r>
+            <a:r>
+              <a:rPr lang="en-US" dirty="0">
+                <a:solidFill>
+                  <a:srgbClr val="000000"/>
+                </a:solidFill>
+                <a:latin typeface="Menlo" charset="0"/>
+              </a:rPr>
+              <a:t>]:</a:t>
+            </a:r>
+          </a:p>
+          <a:p>
+            <a:pPr lvl="1"/>
+            <a:r>
+              <a:rPr lang="en-US" dirty="0" smtClean="0">
+                <a:solidFill>
+                  <a:srgbClr val="0000FF"/>
+                </a:solidFill>
+                <a:latin typeface="Menlo" charset="0"/>
+              </a:rPr>
+              <a:t>	print</a:t>
+            </a:r>
+            <a:r>
+              <a:rPr lang="en-US" dirty="0" smtClean="0">
+                <a:solidFill>
+                  <a:srgbClr val="000000"/>
+                </a:solidFill>
+                <a:latin typeface="Menlo" charset="0"/>
+              </a:rPr>
+              <a:t>(</a:t>
+            </a:r>
+            <a:r>
+              <a:rPr lang="en-US" dirty="0" err="1" smtClean="0">
+                <a:solidFill>
+                  <a:srgbClr val="000000"/>
+                </a:solidFill>
+                <a:latin typeface="Menlo" charset="0"/>
+              </a:rPr>
+              <a:t>name,fruit</a:t>
+            </a:r>
+            <a:r>
+              <a:rPr lang="en-US" dirty="0">
+                <a:solidFill>
+                  <a:srgbClr val="000000"/>
+                </a:solidFill>
+                <a:latin typeface="Menlo" charset="0"/>
+              </a:rPr>
+              <a:t>)</a:t>
+            </a:r>
+            <a:endParaRPr lang="en-US" b="0" i="0" u="none" strike="noStrike" dirty="0">
+              <a:solidFill>
+                <a:srgbClr val="000000"/>
+              </a:solidFill>
+              <a:effectLst/>
+              <a:latin typeface="Menlo" charset="0"/>
+            </a:endParaRPr>
+          </a:p>
+        </p:txBody>
+      </p:sp>
+      <p:sp>
+        <p:nvSpPr>
+          <p:cNvPr id="4" name="Rectangle 3"/>
+          <p:cNvSpPr/>
+          <p:nvPr/>
+        </p:nvSpPr>
+        <p:spPr>
+          <a:xfrm>
+            <a:off x="206968" y="4615361"/>
+            <a:ext cx="6096000" cy="1754326"/>
+          </a:xfrm>
+          <a:prstGeom prst="rect">
+            <a:avLst/>
+          </a:prstGeom>
+        </p:spPr>
+        <p:txBody>
+          <a:bodyPr>
+            <a:spAutoFit/>
+          </a:bodyPr>
+          <a:lstStyle/>
+          <a:p>
+            <a:r>
+              <a:rPr lang="mr-IN" dirty="0"/>
+              <a:t>('</a:t>
+            </a:r>
+            <a:r>
+              <a:rPr lang="mr-IN" dirty="0" err="1"/>
+              <a:t>Tom</a:t>
+            </a:r>
+            <a:r>
+              <a:rPr lang="mr-IN" dirty="0"/>
+              <a:t>', '</a:t>
+            </a:r>
+            <a:r>
+              <a:rPr lang="mr-IN" dirty="0" err="1"/>
+              <a:t>orange</a:t>
+            </a:r>
+            <a:r>
+              <a:rPr lang="mr-IN" dirty="0" smtClean="0"/>
+              <a:t>')</a:t>
+            </a:r>
+            <a:endParaRPr lang="en-US" dirty="0" smtClean="0"/>
+          </a:p>
+          <a:p>
+            <a:r>
+              <a:rPr lang="mr-IN" dirty="0" smtClean="0"/>
+              <a:t> </a:t>
+            </a:r>
+            <a:r>
+              <a:rPr lang="mr-IN" dirty="0"/>
+              <a:t>('</a:t>
+            </a:r>
+            <a:r>
+              <a:rPr lang="mr-IN" dirty="0" err="1"/>
+              <a:t>Tom</a:t>
+            </a:r>
+            <a:r>
+              <a:rPr lang="mr-IN" dirty="0"/>
+              <a:t>', '</a:t>
+            </a:r>
+            <a:r>
+              <a:rPr lang="mr-IN" dirty="0" err="1"/>
+              <a:t>pear</a:t>
+            </a:r>
+            <a:r>
+              <a:rPr lang="mr-IN" dirty="0" smtClean="0"/>
+              <a:t>')</a:t>
+            </a:r>
+            <a:endParaRPr lang="en-US" dirty="0" smtClean="0"/>
+          </a:p>
+          <a:p>
+            <a:r>
+              <a:rPr lang="mr-IN" dirty="0" smtClean="0"/>
+              <a:t> </a:t>
+            </a:r>
+            <a:r>
+              <a:rPr lang="mr-IN" dirty="0"/>
+              <a:t>('</a:t>
+            </a:r>
+            <a:r>
+              <a:rPr lang="mr-IN" dirty="0" err="1"/>
+              <a:t>Tom</a:t>
+            </a:r>
+            <a:r>
+              <a:rPr lang="mr-IN" dirty="0"/>
+              <a:t>', '</a:t>
+            </a:r>
+            <a:r>
+              <a:rPr lang="mr-IN" dirty="0" err="1"/>
+              <a:t>apple</a:t>
+            </a:r>
+            <a:r>
+              <a:rPr lang="mr-IN" dirty="0"/>
+              <a:t>') </a:t>
+            </a:r>
+            <a:endParaRPr lang="en-US" dirty="0" smtClean="0"/>
+          </a:p>
+          <a:p>
+            <a:r>
+              <a:rPr lang="mr-IN" dirty="0" smtClean="0"/>
+              <a:t>(</a:t>
+            </a:r>
+            <a:r>
+              <a:rPr lang="mr-IN" dirty="0"/>
+              <a:t>'</a:t>
+            </a:r>
+            <a:r>
+              <a:rPr lang="mr-IN" dirty="0" err="1"/>
+              <a:t>Jack</a:t>
+            </a:r>
+            <a:r>
+              <a:rPr lang="mr-IN" dirty="0"/>
+              <a:t>', '</a:t>
+            </a:r>
+            <a:r>
+              <a:rPr lang="mr-IN" dirty="0" err="1"/>
+              <a:t>orange</a:t>
+            </a:r>
+            <a:r>
+              <a:rPr lang="mr-IN" dirty="0"/>
+              <a:t>') </a:t>
+            </a:r>
+            <a:endParaRPr lang="en-US" dirty="0" smtClean="0"/>
+          </a:p>
+          <a:p>
+            <a:r>
+              <a:rPr lang="mr-IN" dirty="0" smtClean="0"/>
+              <a:t>(</a:t>
+            </a:r>
+            <a:r>
+              <a:rPr lang="mr-IN" dirty="0"/>
+              <a:t>'</a:t>
+            </a:r>
+            <a:r>
+              <a:rPr lang="mr-IN" dirty="0" err="1"/>
+              <a:t>Jack</a:t>
+            </a:r>
+            <a:r>
+              <a:rPr lang="mr-IN" dirty="0"/>
+              <a:t>', '</a:t>
+            </a:r>
+            <a:r>
+              <a:rPr lang="mr-IN" dirty="0" err="1"/>
+              <a:t>pear</a:t>
+            </a:r>
+            <a:r>
+              <a:rPr lang="mr-IN" dirty="0"/>
+              <a:t>') </a:t>
+            </a:r>
+            <a:endParaRPr lang="en-US" dirty="0" smtClean="0"/>
+          </a:p>
+          <a:p>
+            <a:r>
+              <a:rPr lang="mr-IN" dirty="0" smtClean="0"/>
+              <a:t>(</a:t>
+            </a:r>
+            <a:r>
+              <a:rPr lang="mr-IN" dirty="0"/>
+              <a:t>'</a:t>
+            </a:r>
+            <a:r>
+              <a:rPr lang="mr-IN" dirty="0" err="1"/>
+              <a:t>Jack</a:t>
+            </a:r>
+            <a:r>
+              <a:rPr lang="mr-IN" dirty="0"/>
+              <a:t>', '</a:t>
+            </a:r>
+            <a:r>
+              <a:rPr lang="mr-IN" dirty="0" err="1"/>
+              <a:t>apple</a:t>
+            </a:r>
+            <a:r>
+              <a:rPr lang="mr-IN" dirty="0"/>
+              <a:t>')</a:t>
+            </a:r>
+            <a:endParaRPr lang="en-US" dirty="0"/>
+          </a:p>
+        </p:txBody>
+      </p:sp>
+      <p:cxnSp>
+        <p:nvCxnSpPr>
+          <p:cNvPr id="11" name="Straight Arrow Connector 10"/>
+          <p:cNvCxnSpPr>
+            <a:stCxn id="25" idx="2"/>
+          </p:cNvCxnSpPr>
+          <p:nvPr/>
+        </p:nvCxnSpPr>
+        <p:spPr>
+          <a:xfrm flipH="1">
+            <a:off x="7393204" y="3808079"/>
+            <a:ext cx="8493" cy="1233737"/>
+          </a:xfrm>
+          <a:prstGeom prst="straightConnector1">
+            <a:avLst/>
+          </a:prstGeom>
+          <a:ln>
+            <a:tailEnd type="triangle"/>
+          </a:ln>
+        </p:spPr>
+        <p:style>
+          <a:lnRef idx="1">
+            <a:schemeClr val="dk1"/>
+          </a:lnRef>
+          <a:fillRef idx="0">
+            <a:schemeClr val="dk1"/>
+          </a:fillRef>
+          <a:effectRef idx="0">
+            <a:schemeClr val="dk1"/>
+          </a:effectRef>
+          <a:fontRef idx="minor">
+            <a:schemeClr val="tx1"/>
+          </a:fontRef>
+        </p:style>
+      </p:cxnSp>
+      <p:cxnSp>
+        <p:nvCxnSpPr>
+          <p:cNvPr id="34" name="Straight Arrow Connector 33"/>
+          <p:cNvCxnSpPr>
+            <a:endCxn id="18" idx="0"/>
+          </p:cNvCxnSpPr>
+          <p:nvPr/>
+        </p:nvCxnSpPr>
+        <p:spPr>
+          <a:xfrm>
+            <a:off x="7483428" y="3852572"/>
+            <a:ext cx="1679108" cy="1140666"/>
+          </a:xfrm>
+          <a:prstGeom prst="straightConnector1">
+            <a:avLst/>
+          </a:prstGeom>
+          <a:ln>
+            <a:tailEnd type="triangle"/>
+          </a:ln>
+        </p:spPr>
+        <p:style>
+          <a:lnRef idx="1">
+            <a:schemeClr val="dk1"/>
+          </a:lnRef>
+          <a:fillRef idx="0">
+            <a:schemeClr val="dk1"/>
+          </a:fillRef>
+          <a:effectRef idx="0">
+            <a:schemeClr val="dk1"/>
+          </a:effectRef>
+          <a:fontRef idx="minor">
+            <a:schemeClr val="tx1"/>
+          </a:fontRef>
+        </p:style>
+      </p:cxnSp>
+      <p:cxnSp>
+        <p:nvCxnSpPr>
+          <p:cNvPr id="35" name="Straight Arrow Connector 34"/>
+          <p:cNvCxnSpPr/>
+          <p:nvPr/>
+        </p:nvCxnSpPr>
+        <p:spPr>
+          <a:xfrm>
+            <a:off x="7477386" y="3819768"/>
+            <a:ext cx="3397846" cy="1199945"/>
+          </a:xfrm>
+          <a:prstGeom prst="straightConnector1">
+            <a:avLst/>
+          </a:prstGeom>
+          <a:ln>
+            <a:tailEnd type="triangle"/>
+          </a:ln>
+        </p:spPr>
+        <p:style>
+          <a:lnRef idx="1">
+            <a:schemeClr val="dk1"/>
+          </a:lnRef>
+          <a:fillRef idx="0">
+            <a:schemeClr val="dk1"/>
+          </a:fillRef>
+          <a:effectRef idx="0">
+            <a:schemeClr val="dk1"/>
+          </a:effectRef>
+          <a:fontRef idx="minor">
+            <a:schemeClr val="tx1"/>
+          </a:fontRef>
+        </p:style>
+      </p:cxnSp>
+      <p:cxnSp>
+        <p:nvCxnSpPr>
+          <p:cNvPr id="37" name="Straight Arrow Connector 36"/>
+          <p:cNvCxnSpPr/>
+          <p:nvPr/>
+        </p:nvCxnSpPr>
+        <p:spPr>
+          <a:xfrm>
+            <a:off x="8802642" y="3856079"/>
+            <a:ext cx="2072590" cy="1137159"/>
+          </a:xfrm>
+          <a:prstGeom prst="straightConnector1">
+            <a:avLst/>
+          </a:prstGeom>
+          <a:ln>
+            <a:tailEnd type="triangle"/>
+          </a:ln>
+        </p:spPr>
+        <p:style>
+          <a:lnRef idx="1">
+            <a:schemeClr val="dk1"/>
+          </a:lnRef>
+          <a:fillRef idx="0">
+            <a:schemeClr val="dk1"/>
+          </a:fillRef>
+          <a:effectRef idx="0">
+            <a:schemeClr val="dk1"/>
+          </a:effectRef>
+          <a:fontRef idx="minor">
+            <a:schemeClr val="tx1"/>
+          </a:fontRef>
+        </p:style>
+      </p:cxnSp>
+      <p:cxnSp>
+        <p:nvCxnSpPr>
+          <p:cNvPr id="39" name="Straight Arrow Connector 38"/>
+          <p:cNvCxnSpPr>
+            <a:endCxn id="18" idx="0"/>
+          </p:cNvCxnSpPr>
+          <p:nvPr/>
+        </p:nvCxnSpPr>
+        <p:spPr>
+          <a:xfrm>
+            <a:off x="8678238" y="3865800"/>
+            <a:ext cx="484298" cy="1127438"/>
+          </a:xfrm>
+          <a:prstGeom prst="straightConnector1">
+            <a:avLst/>
+          </a:prstGeom>
+          <a:ln>
+            <a:tailEnd type="triangle"/>
+          </a:ln>
+        </p:spPr>
+        <p:style>
+          <a:lnRef idx="1">
+            <a:schemeClr val="dk1"/>
+          </a:lnRef>
+          <a:fillRef idx="0">
+            <a:schemeClr val="dk1"/>
+          </a:fillRef>
+          <a:effectRef idx="0">
+            <a:schemeClr val="dk1"/>
+          </a:effectRef>
+          <a:fontRef idx="minor">
+            <a:schemeClr val="tx1"/>
+          </a:fontRef>
+        </p:style>
+      </p:cxnSp>
+      <p:cxnSp>
+        <p:nvCxnSpPr>
+          <p:cNvPr id="43" name="Straight Arrow Connector 42"/>
+          <p:cNvCxnSpPr/>
+          <p:nvPr/>
+        </p:nvCxnSpPr>
+        <p:spPr>
+          <a:xfrm flipH="1">
+            <a:off x="7423714" y="3865800"/>
+            <a:ext cx="1086479" cy="1127438"/>
+          </a:xfrm>
+          <a:prstGeom prst="straightConnector1">
+            <a:avLst/>
+          </a:prstGeom>
+          <a:ln>
+            <a:tailEnd type="triangle"/>
+          </a:ln>
+        </p:spPr>
+        <p:style>
+          <a:lnRef idx="1">
+            <a:schemeClr val="dk1"/>
+          </a:lnRef>
+          <a:fillRef idx="0">
+            <a:schemeClr val="dk1"/>
+          </a:fillRef>
+          <a:effectRef idx="0">
+            <a:schemeClr val="dk1"/>
+          </a:effectRef>
+          <a:fontRef idx="minor">
+            <a:schemeClr val="tx1"/>
+          </a:fontRef>
+        </p:style>
+      </p:cxnSp>
+    </p:spTree>
+    <p:extLst>
+      <p:ext uri="{BB962C8B-B14F-4D97-AF65-F5344CB8AC3E}">
+        <p14:creationId xmlns:p14="http://schemas.microsoft.com/office/powerpoint/2010/main" val="1702425693"/>
+      </p:ext>
+    </p:extLst>
+  </p:cSld>
+  <p:clrMapOvr>
+    <a:masterClrMapping/>
+  </p:clrMapOvr>
+</p:sld>
+</file>
+
+<file path=ppt/slides/slide6.xml><?xml version="1.0" encoding="utf-8"?>
+<p:sld xmlns:a="http://schemas.openxmlformats.org/drawingml/2006/main" xmlns:r="http://schemas.openxmlformats.org/officeDocument/2006/relationships" xmlns:p="http://schemas.openxmlformats.org/presentationml/2006/main">
+  <p:cSld>
+    <p:spTree>
+      <p:nvGrpSpPr>
+        <p:cNvPr id="1" name=""/>
+        <p:cNvGrpSpPr/>
+        <p:nvPr/>
+      </p:nvGrpSpPr>
+      <p:grpSpPr>
+        <a:xfrm>
+          <a:off x="0" y="0"/>
+          <a:ext cx="0" cy="0"/>
+          <a:chOff x="0" y="0"/>
+          <a:chExt cx="0" cy="0"/>
+        </a:xfrm>
+      </p:grpSpPr>
+      <p:sp>
+        <p:nvSpPr>
+          <p:cNvPr id="2" name="Title 1">
+            <a:extLst>
+              <a:ext uri="{FF2B5EF4-FFF2-40B4-BE49-F238E27FC236}">
+                <a16:creationId xmlns:a16="http://schemas.microsoft.com/office/drawing/2014/main" xmlns="" id="{253967F2-5A0B-C248-8CB9-CD7AEEE78A10}"/>
               </a:ext>
             </a:extLst>
           </p:cNvPr>
@@ -9392,14 +10520,14 @@
         <p:spPr>
           <a:xfrm>
             <a:off x="246106" y="4611470"/>
-            <a:ext cx="3396627" cy="646331"/>
+            <a:ext cx="6096000" cy="646331"/>
           </a:xfrm>
           <a:prstGeom prst="rect">
             <a:avLst/>
           </a:prstGeom>
         </p:spPr>
         <p:txBody>
-          <a:bodyPr wrap="square">
+          <a:bodyPr>
             <a:spAutoFit/>
           </a:bodyPr>
           <a:lstStyle/>
@@ -9465,7 +10593,7 @@
                 </a:solidFill>
                 <a:latin typeface="Menlo" charset="0"/>
               </a:rPr>
-              <a:t>range(</a:t>
+              <a:t>[</a:t>
             </a:r>
             <a:r>
               <a:rPr lang="en-US" dirty="0" smtClean="0">
@@ -9474,7 +10602,7 @@
                 </a:solidFill>
                 <a:latin typeface="Menlo" charset="0"/>
               </a:rPr>
-              <a:t>0,4</a:t>
+              <a:t>0,1,2,3</a:t>
             </a:r>
             <a:r>
               <a:rPr lang="en-US" dirty="0" smtClean="0">
@@ -9483,7 +10611,7 @@
                 </a:solidFill>
                 <a:latin typeface="Menlo" charset="0"/>
               </a:rPr>
-              <a:t>):</a:t>
+              <a:t>]:</a:t>
             </a:r>
             <a:endParaRPr lang="en-US" dirty="0">
               <a:solidFill>
@@ -9856,203 +10984,10 @@
           </p:txBody>
         </p:sp>
       </p:grpSp>
-      <p:sp>
-        <p:nvSpPr>
-          <p:cNvPr id="22" name="Rectangle 21"/>
-          <p:cNvSpPr/>
-          <p:nvPr/>
-        </p:nvSpPr>
-        <p:spPr>
-          <a:xfrm>
-            <a:off x="3989751" y="4509177"/>
-            <a:ext cx="2275125" cy="1200329"/>
-          </a:xfrm>
-          <a:prstGeom prst="rect">
-            <a:avLst/>
-          </a:prstGeom>
-        </p:spPr>
-        <p:style>
-          <a:lnRef idx="2">
-            <a:schemeClr val="dk1"/>
-          </a:lnRef>
-          <a:fillRef idx="1">
-            <a:schemeClr val="lt1"/>
-          </a:fillRef>
-          <a:effectRef idx="0">
-            <a:schemeClr val="dk1"/>
-          </a:effectRef>
-          <a:fontRef idx="minor">
-            <a:schemeClr val="dk1"/>
-          </a:fontRef>
-        </p:style>
-        <p:txBody>
-          <a:bodyPr wrap="square">
-            <a:spAutoFit/>
-          </a:bodyPr>
-          <a:lstStyle/>
-          <a:p>
-            <a:r>
-              <a:rPr lang="en-US" dirty="0" err="1" smtClean="0">
-                <a:solidFill>
-                  <a:srgbClr val="0000FF"/>
-                </a:solidFill>
-                <a:latin typeface="Menlo" charset="0"/>
-              </a:rPr>
-              <a:t>i</a:t>
-            </a:r>
-            <a:r>
-              <a:rPr lang="en-US" dirty="0" smtClean="0">
-                <a:solidFill>
-                  <a:srgbClr val="0000FF"/>
-                </a:solidFill>
-                <a:latin typeface="Menlo" charset="0"/>
-              </a:rPr>
-              <a:t>=0</a:t>
-            </a:r>
-          </a:p>
-          <a:p>
-            <a:r>
-              <a:rPr lang="en-US" dirty="0" smtClean="0">
-                <a:solidFill>
-                  <a:srgbClr val="0000FF"/>
-                </a:solidFill>
-                <a:latin typeface="Menlo" charset="0"/>
-              </a:rPr>
-              <a:t>while</a:t>
-            </a:r>
-            <a:r>
-              <a:rPr lang="en-US" dirty="0" smtClean="0">
-                <a:solidFill>
-                  <a:srgbClr val="000000"/>
-                </a:solidFill>
-                <a:latin typeface="Menlo" charset="0"/>
-              </a:rPr>
-              <a:t> </a:t>
-            </a:r>
-            <a:r>
-              <a:rPr lang="en-US" dirty="0" err="1" smtClean="0">
-                <a:solidFill>
-                  <a:srgbClr val="000000"/>
-                </a:solidFill>
-                <a:latin typeface="Menlo" charset="0"/>
-              </a:rPr>
-              <a:t>i</a:t>
-            </a:r>
-            <a:r>
-              <a:rPr lang="en-US" dirty="0" smtClean="0">
-                <a:solidFill>
-                  <a:srgbClr val="000000"/>
-                </a:solidFill>
-                <a:latin typeface="Menlo" charset="0"/>
-              </a:rPr>
-              <a:t>&lt;4:</a:t>
-            </a:r>
-            <a:endParaRPr lang="en-US" dirty="0">
-              <a:solidFill>
-                <a:srgbClr val="000000"/>
-              </a:solidFill>
-              <a:latin typeface="Menlo" charset="0"/>
-            </a:endParaRPr>
-          </a:p>
-          <a:p>
-            <a:r>
-              <a:rPr lang="en-US" dirty="0" smtClean="0">
-                <a:solidFill>
-                  <a:srgbClr val="0000FF"/>
-                </a:solidFill>
-                <a:latin typeface="Menlo" charset="0"/>
-              </a:rPr>
-              <a:t>	print</a:t>
-            </a:r>
-            <a:r>
-              <a:rPr lang="en-US" dirty="0" smtClean="0">
-                <a:solidFill>
-                  <a:srgbClr val="000000"/>
-                </a:solidFill>
-                <a:latin typeface="Menlo" charset="0"/>
-              </a:rPr>
-              <a:t>(</a:t>
-            </a:r>
-            <a:r>
-              <a:rPr lang="en-US" dirty="0" err="1" smtClean="0">
-                <a:solidFill>
-                  <a:srgbClr val="000000"/>
-                </a:solidFill>
-                <a:latin typeface="Menlo" charset="0"/>
-              </a:rPr>
-              <a:t>i</a:t>
-            </a:r>
-            <a:r>
-              <a:rPr lang="en-US" dirty="0" smtClean="0">
-                <a:solidFill>
-                  <a:srgbClr val="000000"/>
-                </a:solidFill>
-                <a:latin typeface="Menlo" charset="0"/>
-              </a:rPr>
-              <a:t>)</a:t>
-            </a:r>
-          </a:p>
-          <a:p>
-            <a:r>
-              <a:rPr lang="en-US" b="0" i="0" u="none" strike="noStrike" dirty="0">
-                <a:solidFill>
-                  <a:srgbClr val="000000"/>
-                </a:solidFill>
-                <a:effectLst/>
-                <a:latin typeface="Menlo" charset="0"/>
-              </a:rPr>
-              <a:t>	</a:t>
-            </a:r>
-            <a:r>
-              <a:rPr lang="en-US" dirty="0" err="1" smtClean="0">
-                <a:solidFill>
-                  <a:srgbClr val="000000"/>
-                </a:solidFill>
-                <a:latin typeface="Menlo" charset="0"/>
-              </a:rPr>
-              <a:t>i</a:t>
-            </a:r>
-            <a:r>
-              <a:rPr lang="en-US" dirty="0" smtClean="0">
-                <a:solidFill>
-                  <a:srgbClr val="000000"/>
-                </a:solidFill>
-                <a:latin typeface="Menlo" charset="0"/>
-              </a:rPr>
-              <a:t> = </a:t>
-            </a:r>
-            <a:r>
-              <a:rPr lang="en-US" dirty="0" err="1" smtClean="0">
-                <a:solidFill>
-                  <a:srgbClr val="000000"/>
-                </a:solidFill>
-                <a:latin typeface="Menlo" charset="0"/>
-              </a:rPr>
-              <a:t>i</a:t>
-            </a:r>
-            <a:r>
-              <a:rPr lang="en-US" dirty="0" smtClean="0">
-                <a:solidFill>
-                  <a:srgbClr val="000000"/>
-                </a:solidFill>
-                <a:latin typeface="Menlo" charset="0"/>
-              </a:rPr>
-              <a:t> +1</a:t>
-            </a:r>
-            <a:endParaRPr lang="en-US" b="0" i="0" u="none" strike="noStrike" dirty="0">
-              <a:solidFill>
-                <a:srgbClr val="000000"/>
-              </a:solidFill>
-              <a:effectLst/>
-              <a:latin typeface="Menlo" charset="0"/>
-            </a:endParaRPr>
-          </a:p>
-        </p:txBody>
-      </p:sp>
     </p:spTree>
     <p:extLst>
       <p:ext uri="{BB962C8B-B14F-4D97-AF65-F5344CB8AC3E}">
-        <p14:creationId xmlns:p14="http://schemas.microsoft.com/office/powerpoint/2010/main" val="1702425693"/>
+        <p14:creationId xmlns:p14="http://schemas.microsoft.com/office/powerpoint/2010/main" val="1891823887"/>
       </p:ext>
     </p:extLst>
   </p:cSld>

--- a/lec04/4.pptx
+++ b/lec04/4.pptx
@@ -5,7 +5,7 @@
     <p:sldMasterId id="2147483795" r:id="rId1"/>
   </p:sldMasterIdLst>
   <p:notesMasterIdLst>
-    <p:notesMasterId r:id="rId8"/>
+    <p:notesMasterId r:id="rId7"/>
   </p:notesMasterIdLst>
   <p:sldIdLst>
     <p:sldId id="262" r:id="rId2"/>
@@ -13,7 +13,6 @@
     <p:sldId id="259" r:id="rId4"/>
     <p:sldId id="263" r:id="rId5"/>
     <p:sldId id="265" r:id="rId6"/>
-    <p:sldId id="266" r:id="rId7"/>
   </p:sldIdLst>
   <p:sldSz cx="12192000" cy="6858000"/>
   <p:notesSz cx="6858000" cy="9144000"/>
@@ -6984,6 +6983,13 @@
   <p:clrMapOvr>
     <a:masterClrMapping/>
   </p:clrMapOvr>
+  <p:timing>
+    <p:tnLst>
+      <p:par>
+        <p:cTn id="1" dur="indefinite" restart="never" nodeType="tmRoot"/>
+      </p:par>
+    </p:tnLst>
+  </p:timing>
 </p:sld>
 </file>
 
@@ -7950,6 +7956,13 @@
   <p:clrMapOvr>
     <a:masterClrMapping/>
   </p:clrMapOvr>
+  <p:timing>
+    <p:tnLst>
+      <p:par>
+        <p:cTn id="1" dur="indefinite" restart="never" nodeType="tmRoot"/>
+      </p:par>
+    </p:tnLst>
+  </p:timing>
 </p:sld>
 </file>
 
@@ -8916,6 +8929,13 @@
   <p:clrMapOvr>
     <a:masterClrMapping/>
   </p:clrMapOvr>
+  <p:timing>
+    <p:tnLst>
+      <p:par>
+        <p:cTn id="1" dur="indefinite" restart="never" nodeType="tmRoot"/>
+      </p:par>
+    </p:tnLst>
+  </p:timing>
 </p:sld>
 </file>
 
@@ -10028,972 +10048,13 @@
   <p:clrMapOvr>
     <a:masterClrMapping/>
   </p:clrMapOvr>
-</p:sld>
-</file>
-
-<file path=ppt/slides/slide6.xml><?xml version="1.0" encoding="utf-8"?>
-<p:sld xmlns:a="http://schemas.openxmlformats.org/drawingml/2006/main" xmlns:r="http://schemas.openxmlformats.org/officeDocument/2006/relationships" xmlns:p="http://schemas.openxmlformats.org/presentationml/2006/main">
-  <p:cSld>
-    <p:spTree>
-      <p:nvGrpSpPr>
-        <p:cNvPr id="1" name=""/>
-        <p:cNvGrpSpPr/>
-        <p:nvPr/>
-      </p:nvGrpSpPr>
-      <p:grpSpPr>
-        <a:xfrm>
-          <a:off x="0" y="0"/>
-          <a:ext cx="0" cy="0"/>
-          <a:chOff x="0" y="0"/>
-          <a:chExt cx="0" cy="0"/>
-        </a:xfrm>
-      </p:grpSpPr>
-      <p:sp>
-        <p:nvSpPr>
-          <p:cNvPr id="2" name="Title 1">
-            <a:extLst>
-              <a:ext uri="{FF2B5EF4-FFF2-40B4-BE49-F238E27FC236}">
-                <a16:creationId xmlns:a16="http://schemas.microsoft.com/office/drawing/2014/main" xmlns="" id="{253967F2-5A0B-C248-8CB9-CD7AEEE78A10}"/>
-              </a:ext>
-            </a:extLst>
-          </p:cNvPr>
-          <p:cNvSpPr>
-            <a:spLocks noGrp="1"/>
-          </p:cNvSpPr>
-          <p:nvPr>
-            <p:ph type="title"/>
-          </p:nvPr>
-        </p:nvSpPr>
-        <p:spPr>
-          <a:xfrm>
-            <a:off x="743333" y="74369"/>
-            <a:ext cx="5359293" cy="970450"/>
-          </a:xfrm>
-        </p:spPr>
-        <p:txBody>
-          <a:bodyPr/>
-          <a:lstStyle/>
-          <a:p>
-            <a:r>
-              <a:rPr lang="en-US" dirty="0"/>
-              <a:t>For loops</a:t>
-            </a:r>
-          </a:p>
-        </p:txBody>
-      </p:sp>
-      <p:sp>
-        <p:nvSpPr>
-          <p:cNvPr id="5" name="Rectangle 4"/>
-          <p:cNvSpPr/>
-          <p:nvPr/>
-        </p:nvSpPr>
-        <p:spPr>
-          <a:xfrm>
-            <a:off x="743333" y="1321937"/>
-            <a:ext cx="5702843" cy="369332"/>
-          </a:xfrm>
-          <a:prstGeom prst="rect">
-            <a:avLst/>
-          </a:prstGeom>
-        </p:spPr>
-        <p:txBody>
-          <a:bodyPr wrap="none">
-            <a:spAutoFit/>
-          </a:bodyPr>
-          <a:lstStyle/>
-          <a:p>
-            <a:r>
-              <a:rPr lang="en-US">
-                <a:solidFill>
-                  <a:srgbClr val="000000"/>
-                </a:solidFill>
-                <a:latin typeface="Verdana" charset="0"/>
-              </a:rPr>
-              <a:t>A </a:t>
-            </a:r>
-            <a:r>
-              <a:rPr lang="en-US">
-                <a:solidFill>
-                  <a:srgbClr val="DC143C"/>
-                </a:solidFill>
-                <a:latin typeface="Consolas" charset="0"/>
-              </a:rPr>
-              <a:t>for</a:t>
-            </a:r>
-            <a:r>
-              <a:rPr lang="en-US">
-                <a:solidFill>
-                  <a:srgbClr val="000000"/>
-                </a:solidFill>
-                <a:latin typeface="Verdana" charset="0"/>
-              </a:rPr>
-              <a:t> loop is used for iterating over a sequence</a:t>
-            </a:r>
-            <a:endParaRPr lang="en-US"/>
-          </a:p>
-        </p:txBody>
-      </p:sp>
-      <p:grpSp>
-        <p:nvGrpSpPr>
-          <p:cNvPr id="9" name="Group 8"/>
-          <p:cNvGrpSpPr/>
-          <p:nvPr/>
-        </p:nvGrpSpPr>
-        <p:grpSpPr>
-          <a:xfrm>
-            <a:off x="6549082" y="2234775"/>
-            <a:ext cx="5313405" cy="1185400"/>
-            <a:chOff x="5152768" y="2024710"/>
-            <a:chExt cx="5313405" cy="1185400"/>
-          </a:xfrm>
-        </p:grpSpPr>
-        <p:pic>
-          <p:nvPicPr>
-            <p:cNvPr id="7" name="Picture 6"/>
-            <p:cNvPicPr>
-              <a:picLocks noChangeAspect="1"/>
-            </p:cNvPicPr>
-            <p:nvPr/>
-          </p:nvPicPr>
-          <p:blipFill rotWithShape="1">
-            <a:blip r:embed="rId2"/>
-            <a:srcRect l="67840" t="2672" r="4464" b="63359"/>
-            <a:stretch/>
-          </p:blipFill>
-          <p:spPr>
-            <a:xfrm>
-              <a:off x="7061886" y="2024710"/>
-              <a:ext cx="1594021" cy="1099751"/>
-            </a:xfrm>
-            <a:prstGeom prst="rect">
-              <a:avLst/>
-            </a:prstGeom>
-          </p:spPr>
-        </p:pic>
-        <p:pic>
-          <p:nvPicPr>
-            <p:cNvPr id="16" name="Picture 15"/>
-            <p:cNvPicPr>
-              <a:picLocks noChangeAspect="1"/>
-            </p:cNvPicPr>
-            <p:nvPr/>
-          </p:nvPicPr>
-          <p:blipFill rotWithShape="1">
-            <a:blip r:embed="rId2"/>
-            <a:srcRect l="2362" t="2926" r="71660" b="61960"/>
-            <a:stretch/>
-          </p:blipFill>
-          <p:spPr>
-            <a:xfrm>
-              <a:off x="5152768" y="2073288"/>
-              <a:ext cx="1495167" cy="1136822"/>
-            </a:xfrm>
-            <a:prstGeom prst="rect">
-              <a:avLst/>
-            </a:prstGeom>
-          </p:spPr>
-        </p:pic>
-        <p:pic>
-          <p:nvPicPr>
-            <p:cNvPr id="17" name="Picture 16"/>
-            <p:cNvPicPr>
-              <a:picLocks noChangeAspect="1"/>
-            </p:cNvPicPr>
-            <p:nvPr/>
-          </p:nvPicPr>
-          <p:blipFill rotWithShape="1">
-            <a:blip r:embed="rId2"/>
-            <a:srcRect l="69990" t="33916" r="5749" b="35116"/>
-            <a:stretch/>
-          </p:blipFill>
-          <p:spPr>
-            <a:xfrm>
-              <a:off x="9069859" y="2073288"/>
-              <a:ext cx="1396314" cy="1002596"/>
-            </a:xfrm>
-            <a:prstGeom prst="rect">
-              <a:avLst/>
-            </a:prstGeom>
-          </p:spPr>
-        </p:pic>
-      </p:grpSp>
-      <p:sp>
-        <p:nvSpPr>
-          <p:cNvPr id="8" name="Rectangle 7"/>
-          <p:cNvSpPr/>
-          <p:nvPr/>
-        </p:nvSpPr>
-        <p:spPr>
-          <a:xfrm>
-            <a:off x="246106" y="2319475"/>
-            <a:ext cx="6096000" cy="646331"/>
-          </a:xfrm>
-          <a:prstGeom prst="rect">
-            <a:avLst/>
-          </a:prstGeom>
-        </p:spPr>
-        <p:txBody>
-          <a:bodyPr>
-            <a:spAutoFit/>
-          </a:bodyPr>
-          <a:lstStyle/>
-          <a:p>
-            <a:r>
-              <a:rPr lang="en-US" dirty="0">
-                <a:solidFill>
-                  <a:srgbClr val="0000FF"/>
-                </a:solidFill>
-                <a:latin typeface="Menlo" charset="0"/>
-              </a:rPr>
-              <a:t>for</a:t>
-            </a:r>
-            <a:r>
-              <a:rPr lang="en-US" dirty="0">
-                <a:solidFill>
-                  <a:srgbClr val="000000"/>
-                </a:solidFill>
-                <a:latin typeface="Menlo" charset="0"/>
-              </a:rPr>
-              <a:t> fruit </a:t>
-            </a:r>
-            <a:r>
-              <a:rPr lang="en-US" dirty="0">
-                <a:solidFill>
-                  <a:srgbClr val="0000FF"/>
-                </a:solidFill>
-                <a:latin typeface="Menlo" charset="0"/>
-              </a:rPr>
-              <a:t>in</a:t>
-            </a:r>
-            <a:r>
-              <a:rPr lang="en-US" dirty="0">
-                <a:solidFill>
-                  <a:srgbClr val="000000"/>
-                </a:solidFill>
-                <a:latin typeface="Menlo" charset="0"/>
-              </a:rPr>
-              <a:t> [</a:t>
-            </a:r>
-            <a:r>
-              <a:rPr lang="en-US" dirty="0">
-                <a:solidFill>
-                  <a:srgbClr val="FF69B4"/>
-                </a:solidFill>
-                <a:latin typeface="Menlo" charset="0"/>
-              </a:rPr>
-              <a:t>"</a:t>
-            </a:r>
-            <a:r>
-              <a:rPr lang="en-US" dirty="0">
-                <a:solidFill>
-                  <a:srgbClr val="A31515"/>
-                </a:solidFill>
-                <a:latin typeface="Menlo" charset="0"/>
-              </a:rPr>
-              <a:t>orange</a:t>
-            </a:r>
-            <a:r>
-              <a:rPr lang="en-US" dirty="0">
-                <a:solidFill>
-                  <a:srgbClr val="FF69B4"/>
-                </a:solidFill>
-                <a:latin typeface="Menlo" charset="0"/>
-              </a:rPr>
-              <a:t>"</a:t>
-            </a:r>
-            <a:r>
-              <a:rPr lang="en-US" dirty="0">
-                <a:solidFill>
-                  <a:srgbClr val="000000"/>
-                </a:solidFill>
-                <a:latin typeface="Menlo" charset="0"/>
-              </a:rPr>
-              <a:t>, </a:t>
-            </a:r>
-            <a:r>
-              <a:rPr lang="en-US" dirty="0">
-                <a:solidFill>
-                  <a:srgbClr val="FF69B4"/>
-                </a:solidFill>
-                <a:latin typeface="Menlo" charset="0"/>
-              </a:rPr>
-              <a:t>"</a:t>
-            </a:r>
-            <a:r>
-              <a:rPr lang="en-US" dirty="0">
-                <a:solidFill>
-                  <a:srgbClr val="A31515"/>
-                </a:solidFill>
-                <a:latin typeface="Menlo" charset="0"/>
-              </a:rPr>
-              <a:t>pear</a:t>
-            </a:r>
-            <a:r>
-              <a:rPr lang="en-US" dirty="0">
-                <a:solidFill>
-                  <a:srgbClr val="FF69B4"/>
-                </a:solidFill>
-                <a:latin typeface="Menlo" charset="0"/>
-              </a:rPr>
-              <a:t>"</a:t>
-            </a:r>
-            <a:r>
-              <a:rPr lang="en-US" dirty="0">
-                <a:solidFill>
-                  <a:srgbClr val="000000"/>
-                </a:solidFill>
-                <a:latin typeface="Menlo" charset="0"/>
-              </a:rPr>
-              <a:t>, </a:t>
-            </a:r>
-            <a:r>
-              <a:rPr lang="en-US" dirty="0">
-                <a:solidFill>
-                  <a:srgbClr val="FF69B4"/>
-                </a:solidFill>
-                <a:latin typeface="Menlo" charset="0"/>
-              </a:rPr>
-              <a:t>"</a:t>
-            </a:r>
-            <a:r>
-              <a:rPr lang="en-US" dirty="0">
-                <a:solidFill>
-                  <a:srgbClr val="A31515"/>
-                </a:solidFill>
-                <a:latin typeface="Menlo" charset="0"/>
-              </a:rPr>
-              <a:t>apple</a:t>
-            </a:r>
-            <a:r>
-              <a:rPr lang="en-US" dirty="0">
-                <a:solidFill>
-                  <a:srgbClr val="FF69B4"/>
-                </a:solidFill>
-                <a:latin typeface="Menlo" charset="0"/>
-              </a:rPr>
-              <a:t>"</a:t>
-            </a:r>
-            <a:r>
-              <a:rPr lang="en-US" dirty="0">
-                <a:solidFill>
-                  <a:srgbClr val="000000"/>
-                </a:solidFill>
-                <a:latin typeface="Menlo" charset="0"/>
-              </a:rPr>
-              <a:t>]:</a:t>
-            </a:r>
-          </a:p>
-          <a:p>
-            <a:r>
-              <a:rPr lang="en-US" dirty="0" smtClean="0">
-                <a:solidFill>
-                  <a:srgbClr val="0000FF"/>
-                </a:solidFill>
-                <a:latin typeface="Menlo" charset="0"/>
-              </a:rPr>
-              <a:t>	print</a:t>
-            </a:r>
-            <a:r>
-              <a:rPr lang="en-US" dirty="0" smtClean="0">
-                <a:solidFill>
-                  <a:srgbClr val="000000"/>
-                </a:solidFill>
-                <a:latin typeface="Menlo" charset="0"/>
-              </a:rPr>
-              <a:t>(fruit</a:t>
-            </a:r>
-            <a:r>
-              <a:rPr lang="en-US" dirty="0">
-                <a:solidFill>
-                  <a:srgbClr val="000000"/>
-                </a:solidFill>
-                <a:latin typeface="Menlo" charset="0"/>
-              </a:rPr>
-              <a:t>)</a:t>
-            </a:r>
-            <a:endParaRPr lang="en-US" b="0" i="0" u="none" strike="noStrike" dirty="0">
-              <a:solidFill>
-                <a:srgbClr val="000000"/>
-              </a:solidFill>
-              <a:effectLst/>
-              <a:latin typeface="Menlo" charset="0"/>
-            </a:endParaRPr>
-          </a:p>
-        </p:txBody>
-      </p:sp>
-      <p:sp>
-        <p:nvSpPr>
-          <p:cNvPr id="18" name="Rectangle 17"/>
-          <p:cNvSpPr/>
-          <p:nvPr/>
-        </p:nvSpPr>
-        <p:spPr>
-          <a:xfrm>
-            <a:off x="6549082" y="2234775"/>
-            <a:ext cx="5226907" cy="1185400"/>
-          </a:xfrm>
-          <a:prstGeom prst="rect">
-            <a:avLst/>
-          </a:prstGeom>
-          <a:solidFill>
-            <a:schemeClr val="lt1">
-              <a:alpha val="0"/>
-            </a:schemeClr>
-          </a:solidFill>
-        </p:spPr>
-        <p:style>
-          <a:lnRef idx="2">
-            <a:schemeClr val="accent2"/>
-          </a:lnRef>
-          <a:fillRef idx="1">
-            <a:schemeClr val="lt1"/>
-          </a:fillRef>
-          <a:effectRef idx="0">
-            <a:schemeClr val="accent2"/>
-          </a:effectRef>
-          <a:fontRef idx="minor">
-            <a:schemeClr val="dk1"/>
-          </a:fontRef>
-        </p:style>
-        <p:txBody>
-          <a:bodyPr rtlCol="0" anchor="ctr"/>
-          <a:lstStyle/>
-          <a:p>
-            <a:pPr algn="ctr"/>
-            <a:endParaRPr lang="en-US"/>
-          </a:p>
-        </p:txBody>
-      </p:sp>
-      <p:sp>
-        <p:nvSpPr>
-          <p:cNvPr id="19" name="Rectangle 18"/>
-          <p:cNvSpPr/>
-          <p:nvPr/>
-        </p:nvSpPr>
-        <p:spPr>
-          <a:xfrm>
-            <a:off x="350176" y="3074000"/>
-            <a:ext cx="1072730" cy="1200329"/>
-          </a:xfrm>
-          <a:prstGeom prst="rect">
-            <a:avLst/>
-          </a:prstGeom>
-        </p:spPr>
-        <p:txBody>
-          <a:bodyPr wrap="none">
-            <a:spAutoFit/>
-          </a:bodyPr>
-          <a:lstStyle/>
-          <a:p>
-            <a:r>
-              <a:rPr lang="en-US" dirty="0" smtClean="0"/>
-              <a:t>Output:</a:t>
-            </a:r>
-          </a:p>
-          <a:p>
-            <a:r>
-              <a:rPr lang="en-US" dirty="0" smtClean="0"/>
-              <a:t>orange </a:t>
-            </a:r>
-          </a:p>
-          <a:p>
-            <a:r>
-              <a:rPr lang="en-US" dirty="0" smtClean="0"/>
-              <a:t>pear </a:t>
-            </a:r>
-          </a:p>
-          <a:p>
-            <a:r>
-              <a:rPr lang="en-US" dirty="0" smtClean="0"/>
-              <a:t>apple</a:t>
-            </a:r>
-            <a:endParaRPr lang="en-US" dirty="0"/>
-          </a:p>
-        </p:txBody>
-      </p:sp>
-      <p:sp>
-        <p:nvSpPr>
-          <p:cNvPr id="20" name="Rectangle 19"/>
-          <p:cNvSpPr/>
-          <p:nvPr/>
-        </p:nvSpPr>
-        <p:spPr>
-          <a:xfrm>
-            <a:off x="246106" y="4611470"/>
-            <a:ext cx="6096000" cy="646331"/>
-          </a:xfrm>
-          <a:prstGeom prst="rect">
-            <a:avLst/>
-          </a:prstGeom>
-        </p:spPr>
-        <p:txBody>
-          <a:bodyPr>
-            <a:spAutoFit/>
-          </a:bodyPr>
-          <a:lstStyle/>
-          <a:p>
-            <a:r>
-              <a:rPr lang="en-US" dirty="0">
-                <a:solidFill>
-                  <a:srgbClr val="0000FF"/>
-                </a:solidFill>
-                <a:latin typeface="Menlo" charset="0"/>
-              </a:rPr>
-              <a:t>for</a:t>
-            </a:r>
-            <a:r>
-              <a:rPr lang="en-US" dirty="0">
-                <a:solidFill>
-                  <a:srgbClr val="000000"/>
-                </a:solidFill>
-                <a:latin typeface="Menlo" charset="0"/>
-              </a:rPr>
-              <a:t> </a:t>
-            </a:r>
-            <a:r>
-              <a:rPr lang="en-US" dirty="0" err="1" smtClean="0">
-                <a:solidFill>
-                  <a:srgbClr val="000000"/>
-                </a:solidFill>
-                <a:latin typeface="Menlo" charset="0"/>
-              </a:rPr>
-              <a:t>i</a:t>
-            </a:r>
-            <a:r>
-              <a:rPr lang="en-US" dirty="0" smtClean="0">
-                <a:solidFill>
-                  <a:srgbClr val="000000"/>
-                </a:solidFill>
-                <a:latin typeface="Menlo" charset="0"/>
-              </a:rPr>
-              <a:t> </a:t>
-            </a:r>
-            <a:r>
-              <a:rPr lang="en-US" dirty="0">
-                <a:solidFill>
-                  <a:srgbClr val="0000FF"/>
-                </a:solidFill>
-                <a:latin typeface="Menlo" charset="0"/>
-              </a:rPr>
-              <a:t>in</a:t>
-            </a:r>
-            <a:r>
-              <a:rPr lang="en-US" dirty="0">
-                <a:solidFill>
-                  <a:srgbClr val="000000"/>
-                </a:solidFill>
-                <a:latin typeface="Menlo" charset="0"/>
-              </a:rPr>
-              <a:t> </a:t>
-            </a:r>
-            <a:r>
-              <a:rPr lang="en-US" dirty="0" smtClean="0">
-                <a:solidFill>
-                  <a:srgbClr val="000000"/>
-                </a:solidFill>
-                <a:latin typeface="Menlo" charset="0"/>
-              </a:rPr>
-              <a:t>[</a:t>
-            </a:r>
-            <a:r>
-              <a:rPr lang="en-US" dirty="0" smtClean="0">
-                <a:solidFill>
-                  <a:srgbClr val="FF69B4"/>
-                </a:solidFill>
-                <a:latin typeface="Menlo" charset="0"/>
-              </a:rPr>
-              <a:t>0,1,2,3</a:t>
-            </a:r>
-            <a:r>
-              <a:rPr lang="en-US" dirty="0" smtClean="0">
-                <a:solidFill>
-                  <a:srgbClr val="000000"/>
-                </a:solidFill>
-                <a:latin typeface="Menlo" charset="0"/>
-              </a:rPr>
-              <a:t>]:</a:t>
-            </a:r>
-            <a:endParaRPr lang="en-US" dirty="0">
-              <a:solidFill>
-                <a:srgbClr val="000000"/>
-              </a:solidFill>
-              <a:latin typeface="Menlo" charset="0"/>
-            </a:endParaRPr>
-          </a:p>
-          <a:p>
-            <a:r>
-              <a:rPr lang="en-US" dirty="0" smtClean="0">
-                <a:solidFill>
-                  <a:srgbClr val="0000FF"/>
-                </a:solidFill>
-                <a:latin typeface="Menlo" charset="0"/>
-              </a:rPr>
-              <a:t>	print</a:t>
-            </a:r>
-            <a:r>
-              <a:rPr lang="en-US" dirty="0" smtClean="0">
-                <a:solidFill>
-                  <a:srgbClr val="000000"/>
-                </a:solidFill>
-                <a:latin typeface="Menlo" charset="0"/>
-              </a:rPr>
-              <a:t>(</a:t>
-            </a:r>
-            <a:r>
-              <a:rPr lang="en-US" dirty="0" err="1" smtClean="0">
-                <a:solidFill>
-                  <a:srgbClr val="000000"/>
-                </a:solidFill>
-                <a:latin typeface="Menlo" charset="0"/>
-              </a:rPr>
-              <a:t>i</a:t>
-            </a:r>
-            <a:r>
-              <a:rPr lang="en-US" dirty="0" smtClean="0">
-                <a:solidFill>
-                  <a:srgbClr val="000000"/>
-                </a:solidFill>
-                <a:latin typeface="Menlo" charset="0"/>
-              </a:rPr>
-              <a:t>)</a:t>
-            </a:r>
-            <a:endParaRPr lang="en-US" b="0" i="0" u="none" strike="noStrike" dirty="0">
-              <a:solidFill>
-                <a:srgbClr val="000000"/>
-              </a:solidFill>
-              <a:effectLst/>
-              <a:latin typeface="Menlo" charset="0"/>
-            </a:endParaRPr>
-          </a:p>
-        </p:txBody>
-      </p:sp>
-      <p:sp>
-        <p:nvSpPr>
-          <p:cNvPr id="21" name="Rectangle 20"/>
-          <p:cNvSpPr/>
-          <p:nvPr/>
-        </p:nvSpPr>
-        <p:spPr>
-          <a:xfrm>
-            <a:off x="350176" y="5434302"/>
-            <a:ext cx="1045479" cy="1477328"/>
-          </a:xfrm>
-          <a:prstGeom prst="rect">
-            <a:avLst/>
-          </a:prstGeom>
-        </p:spPr>
-        <p:txBody>
-          <a:bodyPr wrap="none">
-            <a:spAutoFit/>
-          </a:bodyPr>
-          <a:lstStyle/>
-          <a:p>
-            <a:r>
-              <a:rPr lang="en-US" dirty="0" smtClean="0"/>
-              <a:t>Output:</a:t>
-            </a:r>
-          </a:p>
-          <a:p>
-            <a:r>
-              <a:rPr lang="en-US" dirty="0" smtClean="0"/>
-              <a:t>0</a:t>
-            </a:r>
-          </a:p>
-          <a:p>
-            <a:r>
-              <a:rPr lang="en-US" dirty="0" smtClean="0"/>
-              <a:t>1</a:t>
-            </a:r>
-          </a:p>
-          <a:p>
-            <a:r>
-              <a:rPr lang="en-US" dirty="0" smtClean="0"/>
-              <a:t>2</a:t>
-            </a:r>
-          </a:p>
-          <a:p>
-            <a:r>
-              <a:rPr lang="en-US" dirty="0"/>
-              <a:t>3</a:t>
-            </a:r>
-            <a:endParaRPr lang="en-US" dirty="0" smtClean="0"/>
-          </a:p>
-        </p:txBody>
-      </p:sp>
-      <p:cxnSp>
-        <p:nvCxnSpPr>
-          <p:cNvPr id="23" name="Straight Connector 22"/>
-          <p:cNvCxnSpPr/>
-          <p:nvPr/>
-        </p:nvCxnSpPr>
-        <p:spPr>
-          <a:xfrm>
-            <a:off x="0" y="4434969"/>
-            <a:ext cx="12101508" cy="0"/>
-          </a:xfrm>
-          <a:prstGeom prst="line">
-            <a:avLst/>
-          </a:prstGeom>
-        </p:spPr>
-        <p:style>
-          <a:lnRef idx="1">
-            <a:schemeClr val="accent1"/>
-          </a:lnRef>
-          <a:fillRef idx="0">
-            <a:schemeClr val="accent1"/>
-          </a:fillRef>
-          <a:effectRef idx="0">
-            <a:schemeClr val="accent1"/>
-          </a:effectRef>
-          <a:fontRef idx="minor">
-            <a:schemeClr val="tx1"/>
-          </a:fontRef>
-        </p:style>
-      </p:cxnSp>
-      <p:grpSp>
-        <p:nvGrpSpPr>
-          <p:cNvPr id="29" name="Group 28"/>
-          <p:cNvGrpSpPr/>
-          <p:nvPr/>
-        </p:nvGrpSpPr>
-        <p:grpSpPr>
-          <a:xfrm>
-            <a:off x="7284310" y="4611470"/>
-            <a:ext cx="3305432" cy="1017554"/>
-            <a:chOff x="7284310" y="4611470"/>
-            <a:chExt cx="3305432" cy="1017554"/>
-          </a:xfrm>
-        </p:grpSpPr>
-        <p:sp>
-          <p:nvSpPr>
-            <p:cNvPr id="24" name="Rectangle 23"/>
-            <p:cNvSpPr/>
-            <p:nvPr/>
-          </p:nvSpPr>
-          <p:spPr>
-            <a:xfrm>
-              <a:off x="7284310" y="4611470"/>
-              <a:ext cx="3305432" cy="1017554"/>
-            </a:xfrm>
-            <a:prstGeom prst="rect">
-              <a:avLst/>
-            </a:prstGeom>
-            <a:solidFill>
-              <a:schemeClr val="lt1">
-                <a:alpha val="0"/>
-              </a:schemeClr>
-            </a:solidFill>
-          </p:spPr>
-          <p:style>
-            <a:lnRef idx="2">
-              <a:schemeClr val="accent2"/>
-            </a:lnRef>
-            <a:fillRef idx="1">
-              <a:schemeClr val="lt1"/>
-            </a:fillRef>
-            <a:effectRef idx="0">
-              <a:schemeClr val="accent2"/>
-            </a:effectRef>
-            <a:fontRef idx="minor">
-              <a:schemeClr val="dk1"/>
-            </a:fontRef>
-          </p:style>
-          <p:txBody>
-            <a:bodyPr rtlCol="0" anchor="ctr"/>
-            <a:lstStyle/>
-            <a:p>
-              <a:pPr algn="ctr"/>
-              <a:endParaRPr lang="en-US"/>
-            </a:p>
-          </p:txBody>
-        </p:sp>
-        <p:sp>
-          <p:nvSpPr>
-            <p:cNvPr id="25" name="Rectangle 24"/>
-            <p:cNvSpPr/>
-            <p:nvPr/>
-          </p:nvSpPr>
-          <p:spPr>
-            <a:xfrm>
-              <a:off x="7673546" y="4893004"/>
-              <a:ext cx="444843" cy="469831"/>
-            </a:xfrm>
-            <a:prstGeom prst="rect">
-              <a:avLst/>
-            </a:prstGeom>
-          </p:spPr>
-          <p:style>
-            <a:lnRef idx="2">
-              <a:schemeClr val="accent1">
-                <a:shade val="50000"/>
-              </a:schemeClr>
-            </a:lnRef>
-            <a:fillRef idx="1">
-              <a:schemeClr val="accent1"/>
-            </a:fillRef>
-            <a:effectRef idx="0">
-              <a:schemeClr val="accent1"/>
-            </a:effectRef>
-            <a:fontRef idx="minor">
-              <a:schemeClr val="lt1"/>
-            </a:fontRef>
-          </p:style>
-          <p:txBody>
-            <a:bodyPr rtlCol="0" anchor="ctr"/>
-            <a:lstStyle/>
-            <a:p>
-              <a:pPr algn="ctr"/>
-              <a:r>
-                <a:rPr lang="en-US" dirty="0" smtClean="0"/>
-                <a:t>0</a:t>
-              </a:r>
-              <a:endParaRPr lang="en-US" dirty="0"/>
-            </a:p>
-          </p:txBody>
-        </p:sp>
-        <p:sp>
-          <p:nvSpPr>
-            <p:cNvPr id="26" name="Rectangle 25"/>
-            <p:cNvSpPr/>
-            <p:nvPr/>
-          </p:nvSpPr>
-          <p:spPr>
-            <a:xfrm>
-              <a:off x="8393327" y="4908466"/>
-              <a:ext cx="444843" cy="469831"/>
-            </a:xfrm>
-            <a:prstGeom prst="rect">
-              <a:avLst/>
-            </a:prstGeom>
-          </p:spPr>
-          <p:style>
-            <a:lnRef idx="2">
-              <a:schemeClr val="accent1">
-                <a:shade val="50000"/>
-              </a:schemeClr>
-            </a:lnRef>
-            <a:fillRef idx="1">
-              <a:schemeClr val="accent1"/>
-            </a:fillRef>
-            <a:effectRef idx="0">
-              <a:schemeClr val="accent1"/>
-            </a:effectRef>
-            <a:fontRef idx="minor">
-              <a:schemeClr val="lt1"/>
-            </a:fontRef>
-          </p:style>
-          <p:txBody>
-            <a:bodyPr rtlCol="0" anchor="ctr"/>
-            <a:lstStyle/>
-            <a:p>
-              <a:pPr algn="ctr"/>
-              <a:r>
-                <a:rPr lang="en-US" dirty="0" smtClean="0"/>
-                <a:t>1</a:t>
-              </a:r>
-              <a:endParaRPr lang="en-US" dirty="0"/>
-            </a:p>
-          </p:txBody>
-        </p:sp>
-        <p:sp>
-          <p:nvSpPr>
-            <p:cNvPr id="27" name="Rectangle 26"/>
-            <p:cNvSpPr/>
-            <p:nvPr/>
-          </p:nvSpPr>
-          <p:spPr>
-            <a:xfrm>
-              <a:off x="9125465" y="4893003"/>
-              <a:ext cx="444843" cy="469831"/>
-            </a:xfrm>
-            <a:prstGeom prst="rect">
-              <a:avLst/>
-            </a:prstGeom>
-          </p:spPr>
-          <p:style>
-            <a:lnRef idx="2">
-              <a:schemeClr val="accent1">
-                <a:shade val="50000"/>
-              </a:schemeClr>
-            </a:lnRef>
-            <a:fillRef idx="1">
-              <a:schemeClr val="accent1"/>
-            </a:fillRef>
-            <a:effectRef idx="0">
-              <a:schemeClr val="accent1"/>
-            </a:effectRef>
-            <a:fontRef idx="minor">
-              <a:schemeClr val="lt1"/>
-            </a:fontRef>
-          </p:style>
-          <p:txBody>
-            <a:bodyPr rtlCol="0" anchor="ctr"/>
-            <a:lstStyle/>
-            <a:p>
-              <a:pPr algn="ctr"/>
-              <a:r>
-                <a:rPr lang="en-US" dirty="0" smtClean="0"/>
-                <a:t>2</a:t>
-              </a:r>
-              <a:endParaRPr lang="en-US" dirty="0"/>
-            </a:p>
-          </p:txBody>
-        </p:sp>
-        <p:sp>
-          <p:nvSpPr>
-            <p:cNvPr id="28" name="Rectangle 27"/>
-            <p:cNvSpPr/>
-            <p:nvPr/>
-          </p:nvSpPr>
-          <p:spPr>
-            <a:xfrm>
-              <a:off x="9917326" y="4908466"/>
-              <a:ext cx="391297" cy="454368"/>
-            </a:xfrm>
-            <a:prstGeom prst="rect">
-              <a:avLst/>
-            </a:prstGeom>
-          </p:spPr>
-          <p:style>
-            <a:lnRef idx="2">
-              <a:schemeClr val="accent1">
-                <a:shade val="50000"/>
-              </a:schemeClr>
-            </a:lnRef>
-            <a:fillRef idx="1">
-              <a:schemeClr val="accent1"/>
-            </a:fillRef>
-            <a:effectRef idx="0">
-              <a:schemeClr val="accent1"/>
-            </a:effectRef>
-            <a:fontRef idx="minor">
-              <a:schemeClr val="lt1"/>
-            </a:fontRef>
-          </p:style>
-          <p:txBody>
-            <a:bodyPr rtlCol="0" anchor="ctr"/>
-            <a:lstStyle/>
-            <a:p>
-              <a:pPr algn="ctr"/>
-              <a:r>
-                <a:rPr lang="en-US" dirty="0" smtClean="0"/>
-                <a:t>3</a:t>
-              </a:r>
-              <a:endParaRPr lang="en-US" dirty="0"/>
-            </a:p>
-          </p:txBody>
-        </p:sp>
-      </p:grpSp>
-    </p:spTree>
-    <p:extLst>
-      <p:ext uri="{BB962C8B-B14F-4D97-AF65-F5344CB8AC3E}">
-        <p14:creationId xmlns:p14="http://schemas.microsoft.com/office/powerpoint/2010/main" val="1891823887"/>
-      </p:ext>
-    </p:extLst>
-  </p:cSld>
-  <p:clrMapOvr>
-    <a:masterClrMapping/>
-  </p:clrMapOvr>
+  <p:timing>
+    <p:tnLst>
+      <p:par>
+        <p:cTn id="1" dur="indefinite" restart="never" nodeType="tmRoot"/>
+      </p:par>
+    </p:tnLst>
+  </p:timing>
 </p:sld>
 </file>
 
